--- a/assets/lectures/PMBIO_Module02_Inputs.pptx
+++ b/assets/lectures/PMBIO_Module02_Inputs.pptx
@@ -5,10 +5,10 @@
     <p:sldMasterId id="2147483648" r:id="rId1"/>
   </p:sldMasterIdLst>
   <p:notesMasterIdLst>
-    <p:notesMasterId r:id="rId21"/>
+    <p:notesMasterId r:id="rId23"/>
   </p:notesMasterIdLst>
   <p:handoutMasterIdLst>
-    <p:handoutMasterId r:id="rId22"/>
+    <p:handoutMasterId r:id="rId24"/>
   </p:handoutMasterIdLst>
   <p:sldIdLst>
     <p:sldId id="256" r:id="rId2"/>
@@ -23,13 +23,15 @@
     <p:sldId id="273" r:id="rId11"/>
     <p:sldId id="274" r:id="rId12"/>
     <p:sldId id="275" r:id="rId13"/>
-    <p:sldId id="268" r:id="rId14"/>
-    <p:sldId id="264" r:id="rId15"/>
-    <p:sldId id="269" r:id="rId16"/>
-    <p:sldId id="265" r:id="rId17"/>
-    <p:sldId id="270" r:id="rId18"/>
-    <p:sldId id="266" r:id="rId19"/>
-    <p:sldId id="263" r:id="rId20"/>
+    <p:sldId id="276" r:id="rId14"/>
+    <p:sldId id="268" r:id="rId15"/>
+    <p:sldId id="264" r:id="rId16"/>
+    <p:sldId id="269" r:id="rId17"/>
+    <p:sldId id="277" r:id="rId18"/>
+    <p:sldId id="265" r:id="rId19"/>
+    <p:sldId id="270" r:id="rId20"/>
+    <p:sldId id="266" r:id="rId21"/>
+    <p:sldId id="263" r:id="rId22"/>
   </p:sldIdLst>
   <p:sldSz cx="9144000" cy="6858000" type="screen4x3"/>
   <p:notesSz cx="6858000" cy="9144000"/>
@@ -130,7 +132,7 @@
   </p:defaultTextStyle>
   <p:extLst>
     <p:ext uri="{EFAFB233-063F-42B5-8137-9DF3F51BA10A}">
-      <p15:sldGuideLst xmlns="" xmlns:p15="http://schemas.microsoft.com/office/powerpoint/2012/main">
+      <p15:sldGuideLst xmlns:p15="http://schemas.microsoft.com/office/powerpoint/2012/main" xmlns="">
         <p15:guide id="1" orient="horz" pos="2160">
           <p15:clr>
             <a:srgbClr val="A4A3A4"/>
@@ -230,7 +232,7 @@
             <a:fld id="{03643E35-CD80-874A-A3D7-254E954BB753}" type="datetimeFigureOut">
               <a:rPr lang="en-US" smtClean="0"/>
               <a:pPr/>
-              <a:t>10/24/18</a:t>
+              <a:t>10/26/18</a:t>
             </a:fld>
             <a:endParaRPr lang="en-US"/>
           </a:p>
@@ -397,7 +399,7 @@
             <a:fld id="{5C416C15-7665-174C-99B8-5B237ACA6582}" type="datetimeFigureOut">
               <a:rPr lang="en-US" smtClean="0"/>
               <a:pPr/>
-              <a:t>10/24/18</a:t>
+              <a:t>10/26/18</a:t>
             </a:fld>
             <a:endParaRPr lang="en-US"/>
           </a:p>
@@ -1348,7 +1350,7 @@
                 <a:latin typeface="Calibri" charset="0"/>
               </a:rPr>
               <a:pPr eaLnBrk="1" hangingPunct="1"/>
-              <a:t>14</a:t>
+              <a:t>15</a:t>
             </a:fld>
             <a:endParaRPr lang="en-US" sz="1200">
               <a:latin typeface="Calibri" charset="0"/>
@@ -1457,6 +1459,129 @@
       </p:grpSpPr>
       <p:sp>
         <p:nvSpPr>
+          <p:cNvPr id="2" name="Slide Image Placeholder 1"/>
+          <p:cNvSpPr>
+            <a:spLocks noGrp="1" noRot="1" noChangeAspect="1"/>
+          </p:cNvSpPr>
+          <p:nvPr>
+            <p:ph type="sldImg"/>
+          </p:nvPr>
+        </p:nvSpPr>
+        <p:spPr/>
+      </p:sp>
+      <p:sp>
+        <p:nvSpPr>
+          <p:cNvPr id="3" name="Notes Placeholder 2"/>
+          <p:cNvSpPr>
+            <a:spLocks noGrp="1"/>
+          </p:cNvSpPr>
+          <p:nvPr>
+            <p:ph type="body" idx="1"/>
+          </p:nvPr>
+        </p:nvSpPr>
+        <p:spPr/>
+        <p:txBody>
+          <a:bodyPr/>
+          <a:lstStyle/>
+          <a:p>
+            <a:r>
+              <a:rPr lang="en-US" dirty="0" smtClean="0"/>
+              <a:t>http://</a:t>
+            </a:r>
+            <a:r>
+              <a:rPr lang="en-US" dirty="0" err="1" smtClean="0"/>
+              <a:t>www.somewhereville.com</a:t>
+            </a:r>
+            <a:r>
+              <a:rPr lang="en-US" dirty="0" smtClean="0"/>
+              <a:t>/2011/12/16/sanger-and-illumina-1-3-and-solexa-phred-score-q-ascii-glyph-base-error-conversion-tables/</a:t>
+            </a:r>
+          </a:p>
+          <a:p>
+            <a:endParaRPr lang="en-US" dirty="0" smtClean="0"/>
+          </a:p>
+          <a:p>
+            <a:r>
+              <a:rPr lang="en-US" dirty="0" smtClean="0"/>
+              <a:t>https://</a:t>
+            </a:r>
+            <a:r>
+              <a:rPr lang="en-US" dirty="0" err="1" smtClean="0"/>
+              <a:t>en.wikipedia.org</a:t>
+            </a:r>
+            <a:r>
+              <a:rPr lang="en-US" dirty="0" smtClean="0"/>
+              <a:t>/wiki/</a:t>
+            </a:r>
+            <a:r>
+              <a:rPr lang="en-US" dirty="0" err="1" smtClean="0"/>
+              <a:t>FASTQ_format#Quality</a:t>
+            </a:r>
+            <a:endParaRPr lang="en-US" dirty="0" smtClean="0"/>
+          </a:p>
+          <a:p>
+            <a:endParaRPr lang="en-US" dirty="0" smtClean="0"/>
+          </a:p>
+          <a:p>
+            <a:endParaRPr lang="en-US" dirty="0"/>
+          </a:p>
+        </p:txBody>
+      </p:sp>
+      <p:sp>
+        <p:nvSpPr>
+          <p:cNvPr id="4" name="Slide Number Placeholder 3"/>
+          <p:cNvSpPr>
+            <a:spLocks noGrp="1"/>
+          </p:cNvSpPr>
+          <p:nvPr>
+            <p:ph type="sldNum" sz="quarter" idx="10"/>
+          </p:nvPr>
+        </p:nvSpPr>
+        <p:spPr/>
+        <p:txBody>
+          <a:bodyPr/>
+          <a:lstStyle/>
+          <a:p>
+            <a:fld id="{099D50AF-F628-504F-B99D-05BB4C0BF79D}" type="slidenum">
+              <a:rPr lang="en-US" smtClean="0"/>
+              <a:t>17</a:t>
+            </a:fld>
+            <a:endParaRPr lang="en-US"/>
+          </a:p>
+        </p:txBody>
+      </p:sp>
+    </p:spTree>
+    <p:extLst>
+      <p:ext uri="{BB962C8B-B14F-4D97-AF65-F5344CB8AC3E}">
+        <p14:creationId xmlns:p14="http://schemas.microsoft.com/office/powerpoint/2010/main" val="858505213"/>
+      </p:ext>
+    </p:extLst>
+  </p:cSld>
+  <p:clrMapOvr>
+    <a:masterClrMapping/>
+  </p:clrMapOvr>
+</p:notes>
+</file>
+
+<file path=ppt/notesSlides/notesSlide6.xml><?xml version="1.0" encoding="utf-8"?>
+<p:notes xmlns:a="http://schemas.openxmlformats.org/drawingml/2006/main" xmlns:r="http://schemas.openxmlformats.org/officeDocument/2006/relationships" xmlns:p="http://schemas.openxmlformats.org/presentationml/2006/main">
+  <p:cSld>
+    <p:spTree>
+      <p:nvGrpSpPr>
+        <p:cNvPr id="1" name=""/>
+        <p:cNvGrpSpPr/>
+        <p:nvPr/>
+      </p:nvGrpSpPr>
+      <p:grpSpPr>
+        <a:xfrm>
+          <a:off x="0" y="0"/>
+          <a:ext cx="0" cy="0"/>
+          <a:chOff x="0" y="0"/>
+          <a:chExt cx="0" cy="0"/>
+        </a:xfrm>
+      </p:grpSpPr>
+      <p:sp>
+        <p:nvSpPr>
           <p:cNvPr id="22529" name="Rectangle 7"/>
           <p:cNvSpPr>
             <a:spLocks noGrp="1" noChangeArrowheads="1"/>
@@ -1604,7 +1729,7 @@
                 <a:latin typeface="Calibri" charset="0"/>
               </a:rPr>
               <a:pPr eaLnBrk="1" hangingPunct="1"/>
-              <a:t>16</a:t>
+              <a:t>18</a:t>
             </a:fld>
             <a:endParaRPr lang="en-US" sz="1200">
               <a:latin typeface="Calibri" charset="0"/>
@@ -3836,19 +3961,7 @@
           <a:p>
             <a:r>
               <a:rPr lang="en-US" dirty="0" smtClean="0"/>
-              <a:t>PMBIO Module </a:t>
-            </a:r>
-            <a:r>
-              <a:rPr lang="en-US" dirty="0" smtClean="0"/>
-              <a:t>02:</a:t>
-            </a:r>
-            <a:r>
-              <a:rPr lang="en-US" dirty="0"/>
-              <a:t> </a:t>
-            </a:r>
-            <a:r>
-              <a:rPr lang="en-US" dirty="0" smtClean="0"/>
-              <a:t/>
+              <a:t>PMBIO Module 02 </a:t>
             </a:r>
             <a:br>
               <a:rPr lang="en-US" dirty="0" smtClean="0"/>
@@ -3870,11 +3983,11 @@
             </a:r>
             <a:r>
               <a:rPr lang="en-US" b="0" dirty="0" smtClean="0"/>
-              <a:t>Introduction </a:t>
+              <a:t>References</a:t>
             </a:r>
             <a:r>
               <a:rPr lang="en-US" b="0" dirty="0"/>
-              <a:t>to References, Annotations, and Raw </a:t>
+              <a:t>, Annotations, and Raw </a:t>
             </a:r>
             <a:r>
               <a:rPr lang="en-US" b="0" dirty="0" smtClean="0"/>
@@ -7827,6 +7940,191 @@
         </p:nvSpPr>
         <p:spPr/>
         <p:txBody>
+          <a:bodyPr>
+            <a:normAutofit/>
+          </a:bodyPr>
+          <a:lstStyle/>
+          <a:p>
+            <a:r>
+              <a:rPr lang="en-US" dirty="0" smtClean="0"/>
+              <a:t>Common genomic data file formats</a:t>
+            </a:r>
+            <a:endParaRPr lang="en-US" dirty="0"/>
+          </a:p>
+        </p:txBody>
+      </p:sp>
+      <p:sp>
+        <p:nvSpPr>
+          <p:cNvPr id="3" name="Content Placeholder 2"/>
+          <p:cNvSpPr>
+            <a:spLocks noGrp="1"/>
+          </p:cNvSpPr>
+          <p:nvPr>
+            <p:ph idx="1"/>
+          </p:nvPr>
+        </p:nvSpPr>
+        <p:spPr/>
+        <p:txBody>
+          <a:bodyPr>
+            <a:normAutofit/>
+          </a:bodyPr>
+          <a:lstStyle/>
+          <a:p>
+            <a:r>
+              <a:rPr lang="en-US" dirty="0" smtClean="0"/>
+              <a:t>FASTA </a:t>
+            </a:r>
+            <a:r>
+              <a:rPr lang="mr-IN" dirty="0" smtClean="0"/>
+              <a:t>–</a:t>
+            </a:r>
+            <a:r>
+              <a:rPr lang="en-US" dirty="0" smtClean="0"/>
+              <a:t> sequences (DNA, RNA, protein)</a:t>
+            </a:r>
+          </a:p>
+          <a:p>
+            <a:r>
+              <a:rPr lang="en-US" dirty="0" smtClean="0">
+                <a:hlinkClick r:id="rId2"/>
+              </a:rPr>
+              <a:t>FASTQ</a:t>
+            </a:r>
+            <a:r>
+              <a:rPr lang="en-US" dirty="0" smtClean="0"/>
+              <a:t> – raw sequence data (with qualities)</a:t>
+            </a:r>
+          </a:p>
+          <a:p>
+            <a:r>
+              <a:rPr lang="en-US" dirty="0" smtClean="0">
+                <a:hlinkClick r:id="rId3"/>
+              </a:rPr>
+              <a:t>SAM/BAM/CRAM</a:t>
+            </a:r>
+            <a:r>
+              <a:rPr lang="en-US" dirty="0" smtClean="0"/>
+              <a:t> – aligned sequence data</a:t>
+            </a:r>
+            <a:endParaRPr lang="en-US" dirty="0"/>
+          </a:p>
+          <a:p>
+            <a:r>
+              <a:rPr lang="en-US" dirty="0" smtClean="0">
+                <a:hlinkClick r:id="rId4"/>
+              </a:rPr>
+              <a:t>GTF</a:t>
+            </a:r>
+            <a:r>
+              <a:rPr lang="en-US" dirty="0" smtClean="0"/>
+              <a:t> – gene/transcript annotations</a:t>
+            </a:r>
+          </a:p>
+          <a:p>
+            <a:r>
+              <a:rPr lang="en-US" dirty="0" smtClean="0">
+                <a:hlinkClick r:id="rId5"/>
+              </a:rPr>
+              <a:t>BED</a:t>
+            </a:r>
+            <a:r>
+              <a:rPr lang="en-US" dirty="0" smtClean="0"/>
+              <a:t> – other genome features</a:t>
+            </a:r>
+          </a:p>
+          <a:p>
+            <a:r>
+              <a:rPr lang="en-US" dirty="0" smtClean="0">
+                <a:hlinkClick r:id="rId6"/>
+              </a:rPr>
+              <a:t>VCF</a:t>
+            </a:r>
+            <a:r>
+              <a:rPr lang="en-US" dirty="0" smtClean="0"/>
+              <a:t> – variant calls (individual, multi-individual)</a:t>
+            </a:r>
+          </a:p>
+          <a:p>
+            <a:r>
+              <a:rPr lang="en-US" dirty="0" smtClean="0">
+                <a:hlinkClick r:id="rId7"/>
+              </a:rPr>
+              <a:t>MAF</a:t>
+            </a:r>
+            <a:r>
+              <a:rPr lang="en-US" dirty="0" smtClean="0"/>
+              <a:t> – aggregated variant information (project, population)</a:t>
+            </a:r>
+          </a:p>
+          <a:p>
+            <a:endParaRPr lang="en-US" dirty="0" smtClean="0"/>
+          </a:p>
+          <a:p>
+            <a:r>
+              <a:rPr lang="en-US" dirty="0" smtClean="0"/>
+              <a:t>Many, many custom data formats output by specialized tools </a:t>
+            </a:r>
+            <a:r>
+              <a:rPr lang="mr-IN" dirty="0" smtClean="0"/>
+              <a:t>…</a:t>
+            </a:r>
+            <a:r>
+              <a:rPr lang="en-US" dirty="0" smtClean="0"/>
+              <a:t> often in TSV format</a:t>
+            </a:r>
+            <a:endParaRPr lang="en-US" dirty="0"/>
+          </a:p>
+        </p:txBody>
+      </p:sp>
+    </p:spTree>
+    <p:extLst>
+      <p:ext uri="{BB962C8B-B14F-4D97-AF65-F5344CB8AC3E}">
+        <p14:creationId xmlns:p14="http://schemas.microsoft.com/office/powerpoint/2010/main" val="441827346"/>
+      </p:ext>
+    </p:extLst>
+  </p:cSld>
+  <p:clrMapOvr>
+    <a:masterClrMapping/>
+  </p:clrMapOvr>
+  <p:timing>
+    <p:tnLst>
+      <p:par>
+        <p:cTn xmlns:p14="http://schemas.microsoft.com/office/powerpoint/2010/main" id="1" dur="indefinite" restart="never" nodeType="tmRoot"/>
+      </p:par>
+    </p:tnLst>
+  </p:timing>
+</p:sld>
+</file>
+
+<file path=ppt/slides/slide14.xml><?xml version="1.0" encoding="utf-8"?>
+<p:sld xmlns:a="http://schemas.openxmlformats.org/drawingml/2006/main" xmlns:r="http://schemas.openxmlformats.org/officeDocument/2006/relationships" xmlns:p="http://schemas.openxmlformats.org/presentationml/2006/main">
+  <p:cSld>
+    <p:spTree>
+      <p:nvGrpSpPr>
+        <p:cNvPr id="1" name=""/>
+        <p:cNvGrpSpPr/>
+        <p:nvPr/>
+      </p:nvGrpSpPr>
+      <p:grpSpPr>
+        <a:xfrm>
+          <a:off x="0" y="0"/>
+          <a:ext cx="0" cy="0"/>
+          <a:chOff x="0" y="0"/>
+          <a:chExt cx="0" cy="0"/>
+        </a:xfrm>
+      </p:grpSpPr>
+      <p:sp>
+        <p:nvSpPr>
+          <p:cNvPr id="2" name="Title 1"/>
+          <p:cNvSpPr>
+            <a:spLocks noGrp="1"/>
+          </p:cNvSpPr>
+          <p:nvPr>
+            <p:ph type="title"/>
+          </p:nvPr>
+        </p:nvSpPr>
+        <p:spPr/>
+        <p:txBody>
           <a:bodyPr/>
           <a:lstStyle/>
           <a:p>
@@ -7870,7 +8168,7 @@
 </p:sld>
 </file>
 
-<file path=ppt/slides/slide14.xml><?xml version="1.0" encoding="utf-8"?>
+<file path=ppt/slides/slide15.xml><?xml version="1.0" encoding="utf-8"?>
 <p:sld xmlns:a="http://schemas.openxmlformats.org/drawingml/2006/main" xmlns:r="http://schemas.openxmlformats.org/officeDocument/2006/relationships" xmlns:p="http://schemas.openxmlformats.org/presentationml/2006/main">
   <p:cSld>
     <p:spTree>
@@ -8022,10 +8320,6 @@
               </a:rPr>
               <a:t>HCC1395 and HCC1395/BL</a:t>
             </a:r>
-            <a:endParaRPr lang="en-US" sz="2200" dirty="0" smtClean="0">
-              <a:latin typeface="Calibri" charset="0"/>
-              <a:ea typeface="ＭＳ Ｐゴシック" charset="0"/>
-            </a:endParaRPr>
           </a:p>
           <a:p>
             <a:pPr lvl="1">
@@ -8052,14 +8346,7 @@
                 <a:latin typeface="Calibri" charset="0"/>
                 <a:ea typeface="ＭＳ Ｐゴシック" charset="0"/>
               </a:rPr>
-              <a:t>The RNA samples </a:t>
-            </a:r>
-            <a:r>
-              <a:rPr lang="en-US" sz="2200" dirty="0" smtClean="0">
-                <a:latin typeface="Calibri" charset="0"/>
-                <a:ea typeface="ＭＳ Ｐゴシック" charset="0"/>
-              </a:rPr>
-              <a:t>also included one of two ERCC RNA “spike-in” mixes (Mix1 or Mix2)</a:t>
+              <a:t>The RNA samples also included one of two ERCC RNA “spike-in” mixes (Mix1 or Mix2)</a:t>
             </a:r>
             <a:endParaRPr lang="en-US" sz="2200" dirty="0">
               <a:latin typeface="Calibri" charset="0"/>
@@ -8164,7 +8451,7 @@
 </p:sld>
 </file>
 
-<file path=ppt/slides/slide15.xml><?xml version="1.0" encoding="utf-8"?>
+<file path=ppt/slides/slide16.xml><?xml version="1.0" encoding="utf-8"?>
 <p:sld xmlns:a="http://schemas.openxmlformats.org/drawingml/2006/main" xmlns:r="http://schemas.openxmlformats.org/officeDocument/2006/relationships" xmlns:p="http://schemas.openxmlformats.org/presentationml/2006/main">
   <p:cSld>
     <p:spTree>
@@ -8376,7 +8663,1141 @@
 </p:sld>
 </file>
 
-<file path=ppt/slides/slide16.xml><?xml version="1.0" encoding="utf-8"?>
+<file path=ppt/slides/slide17.xml><?xml version="1.0" encoding="utf-8"?>
+<p:sld xmlns:a="http://schemas.openxmlformats.org/drawingml/2006/main" xmlns:r="http://schemas.openxmlformats.org/officeDocument/2006/relationships" xmlns:p="http://schemas.openxmlformats.org/presentationml/2006/main">
+  <p:cSld>
+    <p:spTree>
+      <p:nvGrpSpPr>
+        <p:cNvPr id="1" name=""/>
+        <p:cNvGrpSpPr/>
+        <p:nvPr/>
+      </p:nvGrpSpPr>
+      <p:grpSpPr>
+        <a:xfrm>
+          <a:off x="0" y="0"/>
+          <a:ext cx="0" cy="0"/>
+          <a:chOff x="0" y="0"/>
+          <a:chExt cx="0" cy="0"/>
+        </a:xfrm>
+      </p:grpSpPr>
+      <p:sp>
+        <p:nvSpPr>
+          <p:cNvPr id="2" name="Title 1"/>
+          <p:cNvSpPr>
+            <a:spLocks noGrp="1"/>
+          </p:cNvSpPr>
+          <p:nvPr>
+            <p:ph type="title"/>
+          </p:nvPr>
+        </p:nvSpPr>
+        <p:spPr/>
+        <p:txBody>
+          <a:bodyPr>
+            <a:normAutofit/>
+          </a:bodyPr>
+          <a:lstStyle/>
+          <a:p>
+            <a:r>
+              <a:rPr lang="en-US" dirty="0" err="1" smtClean="0"/>
+              <a:t>Phred</a:t>
+            </a:r>
+            <a:r>
+              <a:rPr lang="en-US" dirty="0" smtClean="0"/>
+              <a:t> scores and ASCII glyphs</a:t>
+            </a:r>
+            <a:endParaRPr lang="en-US" dirty="0"/>
+          </a:p>
+        </p:txBody>
+      </p:sp>
+      <p:graphicFrame>
+        <p:nvGraphicFramePr>
+          <p:cNvPr id="7" name="Table 6"/>
+          <p:cNvGraphicFramePr>
+            <a:graphicFrameLocks noGrp="1"/>
+          </p:cNvGraphicFramePr>
+          <p:nvPr>
+            <p:extLst>
+              <p:ext uri="{D42A27DB-BD31-4B8C-83A1-F6EECF244321}">
+                <p14:modId xmlns:p14="http://schemas.microsoft.com/office/powerpoint/2010/main" val="3271804855"/>
+              </p:ext>
+            </p:extLst>
+          </p:nvPr>
+        </p:nvGraphicFramePr>
+        <p:xfrm>
+          <a:off x="556381" y="1092201"/>
+          <a:ext cx="7958667" cy="3238435"/>
+        </p:xfrm>
+        <a:graphic>
+          <a:graphicData uri="http://schemas.openxmlformats.org/drawingml/2006/table">
+            <a:tbl>
+              <a:tblPr firstRow="1" bandRow="1">
+                <a:tableStyleId>{5C22544A-7EE6-4342-B048-85BDC9FD1C3A}</a:tableStyleId>
+              </a:tblPr>
+              <a:tblGrid>
+                <a:gridCol w="2199571"/>
+                <a:gridCol w="1687378"/>
+                <a:gridCol w="1137147"/>
+                <a:gridCol w="1198284"/>
+                <a:gridCol w="1736287"/>
+              </a:tblGrid>
+              <a:tr h="593577">
+                <a:tc>
+                  <a:txBody>
+                    <a:bodyPr/>
+                    <a:lstStyle/>
+                    <a:p>
+                      <a:pPr algn="ctr" fontAlgn="b"/>
+                      <a:r>
+                        <a:rPr lang="en-US" sz="1900" b="1" i="0" u="none" strike="noStrike" dirty="0" err="1" smtClean="0">
+                          <a:solidFill>
+                            <a:srgbClr val="333333"/>
+                          </a:solidFill>
+                          <a:effectLst/>
+                          <a:latin typeface="+mn-lt"/>
+                        </a:rPr>
+                        <a:t>Phred</a:t>
+                      </a:r>
+                      <a:r>
+                        <a:rPr lang="en-US" sz="1900" b="1" i="0" u="none" strike="noStrike" dirty="0" smtClean="0">
+                          <a:solidFill>
+                            <a:srgbClr val="333333"/>
+                          </a:solidFill>
+                          <a:effectLst/>
+                          <a:latin typeface="+mn-lt"/>
+                        </a:rPr>
+                        <a:t> Q</a:t>
+                      </a:r>
+                      <a:endParaRPr lang="en-US" sz="1900" b="1" i="0" u="none" strike="noStrike" dirty="0">
+                        <a:solidFill>
+                          <a:srgbClr val="333333"/>
+                        </a:solidFill>
+                        <a:effectLst/>
+                        <a:latin typeface="+mn-lt"/>
+                      </a:endParaRPr>
+                    </a:p>
+                  </a:txBody>
+                  <a:tcPr marL="12700" marR="12700" marT="16933" marB="0" anchor="b"/>
+                </a:tc>
+                <a:tc>
+                  <a:txBody>
+                    <a:bodyPr/>
+                    <a:lstStyle/>
+                    <a:p>
+                      <a:pPr algn="ctr" fontAlgn="b"/>
+                      <a:r>
+                        <a:rPr lang="en-US" sz="1900" b="1" i="0" u="none" strike="noStrike" dirty="0">
+                          <a:solidFill>
+                            <a:srgbClr val="333333"/>
+                          </a:solidFill>
+                          <a:effectLst/>
+                          <a:latin typeface="+mn-lt"/>
+                        </a:rPr>
+                        <a:t>Probability (P</a:t>
+                      </a:r>
+                      <a:r>
+                        <a:rPr lang="en-US" sz="1900" b="1" i="0" u="none" strike="noStrike" dirty="0" smtClean="0">
+                          <a:solidFill>
+                            <a:srgbClr val="333333"/>
+                          </a:solidFill>
+                          <a:effectLst/>
+                          <a:latin typeface="+mn-lt"/>
+                        </a:rPr>
+                        <a:t>) of Wrong Base</a:t>
+                      </a:r>
+                      <a:endParaRPr lang="en-US" sz="1900" b="1" i="0" u="none" strike="noStrike" dirty="0">
+                        <a:solidFill>
+                          <a:srgbClr val="333333"/>
+                        </a:solidFill>
+                        <a:effectLst/>
+                        <a:latin typeface="+mn-lt"/>
+                      </a:endParaRPr>
+                    </a:p>
+                  </a:txBody>
+                  <a:tcPr marL="12700" marR="12700" marT="16933" marB="0" anchor="b"/>
+                </a:tc>
+                <a:tc>
+                  <a:txBody>
+                    <a:bodyPr/>
+                    <a:lstStyle/>
+                    <a:p>
+                      <a:pPr algn="ctr" fontAlgn="b"/>
+                      <a:r>
+                        <a:rPr lang="en-US" sz="1900" b="1" i="0" u="none" strike="noStrike" dirty="0" smtClean="0">
+                          <a:solidFill>
+                            <a:srgbClr val="333333"/>
+                          </a:solidFill>
+                          <a:effectLst/>
+                          <a:latin typeface="+mn-lt"/>
+                        </a:rPr>
+                        <a:t>Base</a:t>
+                      </a:r>
+                      <a:r>
+                        <a:rPr lang="en-US" sz="1900" b="1" i="0" u="none" strike="noStrike" baseline="0" dirty="0" smtClean="0">
+                          <a:solidFill>
+                            <a:srgbClr val="333333"/>
+                          </a:solidFill>
+                          <a:effectLst/>
+                          <a:latin typeface="+mn-lt"/>
+                        </a:rPr>
+                        <a:t> Call Accuracy</a:t>
+                      </a:r>
+                      <a:endParaRPr lang="en-US" sz="1900" b="1" i="0" u="none" strike="noStrike" dirty="0">
+                        <a:solidFill>
+                          <a:srgbClr val="333333"/>
+                        </a:solidFill>
+                        <a:effectLst/>
+                        <a:latin typeface="+mn-lt"/>
+                      </a:endParaRPr>
+                    </a:p>
+                  </a:txBody>
+                  <a:tcPr marL="12700" marR="12700" marT="16933" marB="0" anchor="b"/>
+                </a:tc>
+                <a:tc>
+                  <a:txBody>
+                    <a:bodyPr/>
+                    <a:lstStyle/>
+                    <a:p>
+                      <a:pPr algn="ctr" fontAlgn="b"/>
+                      <a:r>
+                        <a:rPr lang="en-US" sz="1900" b="1" i="0" u="none" strike="noStrike" dirty="0" smtClean="0">
+                          <a:solidFill>
+                            <a:srgbClr val="333333"/>
+                          </a:solidFill>
+                          <a:effectLst/>
+                          <a:latin typeface="+mn-lt"/>
+                        </a:rPr>
+                        <a:t>Sanger “Q + 33” Shift</a:t>
+                      </a:r>
+                      <a:endParaRPr lang="en-US" sz="1900" b="1" i="0" u="none" strike="noStrike" dirty="0">
+                        <a:solidFill>
+                          <a:srgbClr val="333333"/>
+                        </a:solidFill>
+                        <a:effectLst/>
+                        <a:latin typeface="+mn-lt"/>
+                      </a:endParaRPr>
+                    </a:p>
+                  </a:txBody>
+                  <a:tcPr marL="12700" marR="12700" marT="16933" marB="0" anchor="b"/>
+                </a:tc>
+                <a:tc>
+                  <a:txBody>
+                    <a:bodyPr/>
+                    <a:lstStyle/>
+                    <a:p>
+                      <a:pPr algn="ctr" fontAlgn="b"/>
+                      <a:r>
+                        <a:rPr lang="en-US" sz="1900" b="1" i="0" u="none" strike="noStrike" dirty="0" smtClean="0">
+                          <a:solidFill>
+                            <a:srgbClr val="333333"/>
+                          </a:solidFill>
+                          <a:effectLst/>
+                          <a:latin typeface="+mn-lt"/>
+                        </a:rPr>
+                        <a:t>Sanger “Q + 33” Shift ASCII glyph</a:t>
+                      </a:r>
+                      <a:endParaRPr lang="en-US" sz="1900" b="1" i="0" u="none" strike="noStrike" dirty="0">
+                        <a:solidFill>
+                          <a:srgbClr val="333333"/>
+                        </a:solidFill>
+                        <a:effectLst/>
+                        <a:latin typeface="+mn-lt"/>
+                      </a:endParaRPr>
+                    </a:p>
+                  </a:txBody>
+                  <a:tcPr marL="12700" marR="12700" marT="16933" marB="0" anchor="b"/>
+                </a:tc>
+              </a:tr>
+              <a:tr h="392137">
+                <a:tc>
+                  <a:txBody>
+                    <a:bodyPr/>
+                    <a:lstStyle/>
+                    <a:p>
+                      <a:pPr algn="ctr" fontAlgn="b"/>
+                      <a:r>
+                        <a:rPr lang="en-US" sz="1900" b="0" i="0" u="none" strike="noStrike" dirty="0">
+                          <a:solidFill>
+                            <a:srgbClr val="333333"/>
+                          </a:solidFill>
+                          <a:effectLst/>
+                          <a:latin typeface="+mn-lt"/>
+                        </a:rPr>
+                        <a:t>0</a:t>
+                      </a:r>
+                    </a:p>
+                  </a:txBody>
+                  <a:tcPr marL="12700" marR="12700" marT="16933" marB="0" anchor="b"/>
+                </a:tc>
+                <a:tc>
+                  <a:txBody>
+                    <a:bodyPr/>
+                    <a:lstStyle/>
+                    <a:p>
+                      <a:pPr algn="ctr" fontAlgn="b"/>
+                      <a:r>
+                        <a:rPr lang="en-US" sz="1900" b="0" i="0" u="none" strike="noStrike" dirty="0">
+                          <a:solidFill>
+                            <a:srgbClr val="333333"/>
+                          </a:solidFill>
+                          <a:effectLst/>
+                          <a:latin typeface="+mn-lt"/>
+                        </a:rPr>
+                        <a:t>1</a:t>
+                      </a:r>
+                    </a:p>
+                  </a:txBody>
+                  <a:tcPr marL="12700" marR="12700" marT="16933" marB="0" anchor="b"/>
+                </a:tc>
+                <a:tc>
+                  <a:txBody>
+                    <a:bodyPr/>
+                    <a:lstStyle/>
+                    <a:p>
+                      <a:pPr algn="ctr" fontAlgn="b"/>
+                      <a:r>
+                        <a:rPr lang="en-US" sz="1900" b="0" i="0" u="none" strike="noStrike" dirty="0" smtClean="0">
+                          <a:solidFill>
+                            <a:srgbClr val="333333"/>
+                          </a:solidFill>
+                          <a:effectLst/>
+                          <a:latin typeface="+mn-lt"/>
+                        </a:rPr>
+                        <a:t>0</a:t>
+                      </a:r>
+                      <a:endParaRPr lang="en-US" sz="1900" b="0" i="0" u="none" strike="noStrike" dirty="0">
+                        <a:solidFill>
+                          <a:srgbClr val="333333"/>
+                        </a:solidFill>
+                        <a:effectLst/>
+                        <a:latin typeface="+mn-lt"/>
+                      </a:endParaRPr>
+                    </a:p>
+                  </a:txBody>
+                  <a:tcPr marL="12700" marR="12700" marT="16933" marB="0" anchor="b"/>
+                </a:tc>
+                <a:tc>
+                  <a:txBody>
+                    <a:bodyPr/>
+                    <a:lstStyle/>
+                    <a:p>
+                      <a:pPr algn="ctr" fontAlgn="b"/>
+                      <a:r>
+                        <a:rPr lang="en-US" sz="1900" b="0" i="0" u="none" strike="noStrike" dirty="0">
+                          <a:solidFill>
+                            <a:srgbClr val="333333"/>
+                          </a:solidFill>
+                          <a:effectLst/>
+                          <a:latin typeface="+mn-lt"/>
+                        </a:rPr>
+                        <a:t>33</a:t>
+                      </a:r>
+                    </a:p>
+                  </a:txBody>
+                  <a:tcPr marL="12700" marR="12700" marT="16933" marB="0" anchor="b"/>
+                </a:tc>
+                <a:tc>
+                  <a:txBody>
+                    <a:bodyPr/>
+                    <a:lstStyle/>
+                    <a:p>
+                      <a:pPr algn="ctr" fontAlgn="b"/>
+                      <a:r>
+                        <a:rPr lang="ru-RU" sz="1900" b="0" i="0" u="none" strike="noStrike">
+                          <a:solidFill>
+                            <a:srgbClr val="333333"/>
+                          </a:solidFill>
+                          <a:effectLst/>
+                          <a:latin typeface="+mn-lt"/>
+                        </a:rPr>
+                        <a:t>!</a:t>
+                      </a:r>
+                    </a:p>
+                  </a:txBody>
+                  <a:tcPr marL="12700" marR="12700" marT="16933" marB="0" anchor="b"/>
+                </a:tc>
+              </a:tr>
+              <a:tr h="392137">
+                <a:tc>
+                  <a:txBody>
+                    <a:bodyPr/>
+                    <a:lstStyle/>
+                    <a:p>
+                      <a:pPr algn="ctr" fontAlgn="b"/>
+                      <a:r>
+                        <a:rPr lang="en-US" sz="1900" b="0" i="0" u="none" strike="noStrike">
+                          <a:solidFill>
+                            <a:srgbClr val="333333"/>
+                          </a:solidFill>
+                          <a:effectLst/>
+                          <a:latin typeface="+mn-lt"/>
+                        </a:rPr>
+                        <a:t>1</a:t>
+                      </a:r>
+                    </a:p>
+                  </a:txBody>
+                  <a:tcPr marL="12700" marR="12700" marT="16933" marB="0" anchor="b"/>
+                </a:tc>
+                <a:tc>
+                  <a:txBody>
+                    <a:bodyPr/>
+                    <a:lstStyle/>
+                    <a:p>
+                      <a:pPr algn="ctr" fontAlgn="b"/>
+                      <a:r>
+                        <a:rPr lang="is-IS" sz="1900" b="0" i="0" u="none" strike="noStrike" dirty="0" smtClean="0">
+                          <a:solidFill>
+                            <a:srgbClr val="333333"/>
+                          </a:solidFill>
+                          <a:effectLst/>
+                          <a:latin typeface="+mn-lt"/>
+                        </a:rPr>
+                        <a:t>0.794</a:t>
+                      </a:r>
+                      <a:endParaRPr lang="is-IS" sz="1900" b="0" i="0" u="none" strike="noStrike" dirty="0">
+                        <a:solidFill>
+                          <a:srgbClr val="333333"/>
+                        </a:solidFill>
+                        <a:effectLst/>
+                        <a:latin typeface="+mn-lt"/>
+                      </a:endParaRPr>
+                    </a:p>
+                  </a:txBody>
+                  <a:tcPr marL="12700" marR="12700" marT="16933" marB="0" anchor="b"/>
+                </a:tc>
+                <a:tc>
+                  <a:txBody>
+                    <a:bodyPr/>
+                    <a:lstStyle/>
+                    <a:p>
+                      <a:pPr algn="ctr" fontAlgn="b"/>
+                      <a:r>
+                        <a:rPr lang="en-US" sz="1900" b="0" i="0" u="none" strike="noStrike" dirty="0" smtClean="0">
+                          <a:solidFill>
+                            <a:srgbClr val="333333"/>
+                          </a:solidFill>
+                          <a:effectLst/>
+                          <a:latin typeface="+mn-lt"/>
+                        </a:rPr>
+                        <a:t>0.206</a:t>
+                      </a:r>
+                      <a:endParaRPr lang="ru-RU" sz="1900" b="0" i="0" u="none" strike="noStrike" dirty="0">
+                        <a:solidFill>
+                          <a:srgbClr val="333333"/>
+                        </a:solidFill>
+                        <a:effectLst/>
+                        <a:latin typeface="+mn-lt"/>
+                      </a:endParaRPr>
+                    </a:p>
+                  </a:txBody>
+                  <a:tcPr marL="12700" marR="12700" marT="16933" marB="0" anchor="b"/>
+                </a:tc>
+                <a:tc>
+                  <a:txBody>
+                    <a:bodyPr/>
+                    <a:lstStyle/>
+                    <a:p>
+                      <a:pPr algn="ctr" fontAlgn="b"/>
+                      <a:r>
+                        <a:rPr lang="ru-RU" sz="1900" b="0" i="0" u="none" strike="noStrike" dirty="0">
+                          <a:solidFill>
+                            <a:srgbClr val="333333"/>
+                          </a:solidFill>
+                          <a:effectLst/>
+                          <a:latin typeface="+mn-lt"/>
+                        </a:rPr>
+                        <a:t>34</a:t>
+                      </a:r>
+                    </a:p>
+                  </a:txBody>
+                  <a:tcPr marL="12700" marR="12700" marT="16933" marB="0" anchor="b"/>
+                </a:tc>
+                <a:tc>
+                  <a:txBody>
+                    <a:bodyPr/>
+                    <a:lstStyle/>
+                    <a:p>
+                      <a:pPr algn="ctr" fontAlgn="b"/>
+                      <a:r>
+                        <a:rPr lang="de-DE" sz="1900" b="0" i="0" u="none" strike="noStrike">
+                          <a:solidFill>
+                            <a:srgbClr val="333333"/>
+                          </a:solidFill>
+                          <a:effectLst/>
+                          <a:latin typeface="+mn-lt"/>
+                        </a:rPr>
+                        <a:t>“</a:t>
+                      </a:r>
+                    </a:p>
+                  </a:txBody>
+                  <a:tcPr marL="12700" marR="12700" marT="16933" marB="0" anchor="b"/>
+                </a:tc>
+              </a:tr>
+              <a:tr h="392137">
+                <a:tc>
+                  <a:txBody>
+                    <a:bodyPr/>
+                    <a:lstStyle/>
+                    <a:p>
+                      <a:pPr algn="ctr" fontAlgn="b"/>
+                      <a:r>
+                        <a:rPr lang="is-IS" sz="1900" b="0" i="0" u="none" strike="noStrike" dirty="0">
+                          <a:solidFill>
+                            <a:srgbClr val="333333"/>
+                          </a:solidFill>
+                          <a:effectLst/>
+                          <a:latin typeface="+mn-lt"/>
+                        </a:rPr>
+                        <a:t>2</a:t>
+                      </a:r>
+                    </a:p>
+                  </a:txBody>
+                  <a:tcPr marL="12700" marR="12700" marT="16933" marB="0" anchor="b"/>
+                </a:tc>
+                <a:tc>
+                  <a:txBody>
+                    <a:bodyPr/>
+                    <a:lstStyle/>
+                    <a:p>
+                      <a:pPr algn="ctr" fontAlgn="b"/>
+                      <a:r>
+                        <a:rPr lang="is-IS" sz="1900" b="0" i="0" u="none" strike="noStrike" dirty="0" smtClean="0">
+                          <a:solidFill>
+                            <a:srgbClr val="333333"/>
+                          </a:solidFill>
+                          <a:effectLst/>
+                          <a:latin typeface="+mn-lt"/>
+                        </a:rPr>
+                        <a:t>0.631</a:t>
+                      </a:r>
+                      <a:endParaRPr lang="is-IS" sz="1900" b="0" i="0" u="none" strike="noStrike" dirty="0">
+                        <a:solidFill>
+                          <a:srgbClr val="333333"/>
+                        </a:solidFill>
+                        <a:effectLst/>
+                        <a:latin typeface="+mn-lt"/>
+                      </a:endParaRPr>
+                    </a:p>
+                  </a:txBody>
+                  <a:tcPr marL="12700" marR="12700" marT="16933" marB="0" anchor="b"/>
+                </a:tc>
+                <a:tc>
+                  <a:txBody>
+                    <a:bodyPr/>
+                    <a:lstStyle/>
+                    <a:p>
+                      <a:pPr algn="ctr" fontAlgn="b"/>
+                      <a:r>
+                        <a:rPr lang="en-US" sz="1900" b="0" i="0" u="none" strike="noStrike" dirty="0" smtClean="0">
+                          <a:solidFill>
+                            <a:srgbClr val="333333"/>
+                          </a:solidFill>
+                          <a:effectLst/>
+                          <a:latin typeface="+mn-lt"/>
+                        </a:rPr>
+                        <a:t>0.369</a:t>
+                      </a:r>
+                      <a:endParaRPr lang="en-US" sz="1900" b="0" i="0" u="none" strike="noStrike" dirty="0">
+                        <a:solidFill>
+                          <a:srgbClr val="333333"/>
+                        </a:solidFill>
+                        <a:effectLst/>
+                        <a:latin typeface="+mn-lt"/>
+                      </a:endParaRPr>
+                    </a:p>
+                  </a:txBody>
+                  <a:tcPr marL="12700" marR="12700" marT="16933" marB="0" anchor="b"/>
+                </a:tc>
+                <a:tc>
+                  <a:txBody>
+                    <a:bodyPr/>
+                    <a:lstStyle/>
+                    <a:p>
+                      <a:pPr algn="ctr" fontAlgn="b"/>
+                      <a:r>
+                        <a:rPr lang="en-US" sz="1900" b="0" i="0" u="none" strike="noStrike" dirty="0">
+                          <a:solidFill>
+                            <a:srgbClr val="333333"/>
+                          </a:solidFill>
+                          <a:effectLst/>
+                          <a:latin typeface="+mn-lt"/>
+                        </a:rPr>
+                        <a:t>35</a:t>
+                      </a:r>
+                    </a:p>
+                  </a:txBody>
+                  <a:tcPr marL="12700" marR="12700" marT="16933" marB="0" anchor="b"/>
+                </a:tc>
+                <a:tc>
+                  <a:txBody>
+                    <a:bodyPr/>
+                    <a:lstStyle/>
+                    <a:p>
+                      <a:pPr algn="ctr" fontAlgn="b"/>
+                      <a:r>
+                        <a:rPr lang="uk-UA" sz="1900" b="0" i="0" u="none" strike="noStrike" dirty="0">
+                          <a:solidFill>
+                            <a:srgbClr val="333333"/>
+                          </a:solidFill>
+                          <a:effectLst/>
+                          <a:latin typeface="+mn-lt"/>
+                        </a:rPr>
+                        <a:t>#</a:t>
+                      </a:r>
+                    </a:p>
+                  </a:txBody>
+                  <a:tcPr marL="12700" marR="12700" marT="16933" marB="0" anchor="b"/>
+                </a:tc>
+              </a:tr>
+              <a:tr h="392137">
+                <a:tc>
+                  <a:txBody>
+                    <a:bodyPr/>
+                    <a:lstStyle/>
+                    <a:p>
+                      <a:pPr algn="ctr" fontAlgn="b"/>
+                      <a:r>
+                        <a:rPr lang="en-US" sz="1900" b="0" i="0" u="none" strike="noStrike" dirty="0">
+                          <a:solidFill>
+                            <a:srgbClr val="333333"/>
+                          </a:solidFill>
+                          <a:effectLst/>
+                          <a:latin typeface="+mn-lt"/>
+                        </a:rPr>
+                        <a:t>10</a:t>
+                      </a:r>
+                    </a:p>
+                  </a:txBody>
+                  <a:tcPr marL="12700" marR="12700" marT="16933" marB="0" anchor="b"/>
+                </a:tc>
+                <a:tc>
+                  <a:txBody>
+                    <a:bodyPr/>
+                    <a:lstStyle/>
+                    <a:p>
+                      <a:pPr algn="ctr" fontAlgn="b"/>
+                      <a:r>
+                        <a:rPr lang="nb-NO" sz="1900" b="0" i="0" u="none" strike="noStrike" dirty="0">
+                          <a:solidFill>
+                            <a:srgbClr val="333333"/>
+                          </a:solidFill>
+                          <a:effectLst/>
+                          <a:latin typeface="+mn-lt"/>
+                        </a:rPr>
+                        <a:t>0.1</a:t>
+                      </a:r>
+                    </a:p>
+                  </a:txBody>
+                  <a:tcPr marL="12700" marR="12700" marT="16933" marB="0" anchor="b"/>
+                </a:tc>
+                <a:tc>
+                  <a:txBody>
+                    <a:bodyPr/>
+                    <a:lstStyle/>
+                    <a:p>
+                      <a:pPr algn="ctr"/>
+                      <a:r>
+                        <a:rPr lang="en-US" sz="1900" dirty="0" smtClean="0">
+                          <a:latin typeface="+mn-lt"/>
+                        </a:rPr>
+                        <a:t>0.90</a:t>
+                      </a:r>
+                      <a:endParaRPr lang="en-US" sz="1900" dirty="0">
+                        <a:latin typeface="+mn-lt"/>
+                      </a:endParaRPr>
+                    </a:p>
+                  </a:txBody>
+                  <a:tcPr marL="12700" marR="12700" marT="16933" marB="0" anchor="b"/>
+                </a:tc>
+                <a:tc>
+                  <a:txBody>
+                    <a:bodyPr/>
+                    <a:lstStyle/>
+                    <a:p>
+                      <a:pPr algn="ctr" fontAlgn="b"/>
+                      <a:r>
+                        <a:rPr lang="en-US" sz="1900" b="0" i="0" u="none" strike="noStrike" dirty="0">
+                          <a:solidFill>
+                            <a:srgbClr val="333333"/>
+                          </a:solidFill>
+                          <a:effectLst/>
+                          <a:latin typeface="+mn-lt"/>
+                        </a:rPr>
+                        <a:t>43</a:t>
+                      </a:r>
+                    </a:p>
+                  </a:txBody>
+                  <a:tcPr marL="12700" marR="12700" marT="16933" marB="0" anchor="b"/>
+                </a:tc>
+                <a:tc>
+                  <a:txBody>
+                    <a:bodyPr/>
+                    <a:lstStyle/>
+                    <a:p>
+                      <a:pPr algn="ctr" fontAlgn="b"/>
+                      <a:r>
+                        <a:rPr lang="en-US" sz="1900" b="0" i="0" u="none" strike="noStrike" dirty="0">
+                          <a:solidFill>
+                            <a:srgbClr val="333333"/>
+                          </a:solidFill>
+                          <a:effectLst/>
+                          <a:latin typeface="+mn-lt"/>
+                        </a:rPr>
+                        <a:t>+</a:t>
+                      </a:r>
+                    </a:p>
+                  </a:txBody>
+                  <a:tcPr marL="12700" marR="12700" marT="16933" marB="0" anchor="b"/>
+                </a:tc>
+              </a:tr>
+              <a:tr h="392137">
+                <a:tc>
+                  <a:txBody>
+                    <a:bodyPr/>
+                    <a:lstStyle/>
+                    <a:p>
+                      <a:pPr algn="ctr" fontAlgn="b"/>
+                      <a:r>
+                        <a:rPr lang="is-IS" sz="1900" b="0" i="0" u="none" strike="noStrike" dirty="0">
+                          <a:solidFill>
+                            <a:srgbClr val="333333"/>
+                          </a:solidFill>
+                          <a:effectLst/>
+                          <a:latin typeface="+mn-lt"/>
+                        </a:rPr>
+                        <a:t>20</a:t>
+                      </a:r>
+                    </a:p>
+                  </a:txBody>
+                  <a:tcPr marL="12700" marR="12700" marT="16933" marB="0" anchor="b"/>
+                </a:tc>
+                <a:tc>
+                  <a:txBody>
+                    <a:bodyPr/>
+                    <a:lstStyle/>
+                    <a:p>
+                      <a:pPr algn="ctr" fontAlgn="b"/>
+                      <a:r>
+                        <a:rPr lang="nb-NO" sz="1900" b="0" i="0" u="none" strike="noStrike" dirty="0">
+                          <a:solidFill>
+                            <a:srgbClr val="333333"/>
+                          </a:solidFill>
+                          <a:effectLst/>
+                          <a:latin typeface="+mn-lt"/>
+                        </a:rPr>
+                        <a:t>0.01</a:t>
+                      </a:r>
+                    </a:p>
+                  </a:txBody>
+                  <a:tcPr marL="12700" marR="12700" marT="16933" marB="0" anchor="b"/>
+                </a:tc>
+                <a:tc>
+                  <a:txBody>
+                    <a:bodyPr/>
+                    <a:lstStyle/>
+                    <a:p>
+                      <a:pPr algn="ctr"/>
+                      <a:r>
+                        <a:rPr lang="en-US" sz="1900" dirty="0" smtClean="0">
+                          <a:latin typeface="+mn-lt"/>
+                        </a:rPr>
+                        <a:t>0.99</a:t>
+                      </a:r>
+                      <a:endParaRPr lang="en-US" sz="1900" dirty="0">
+                        <a:latin typeface="+mn-lt"/>
+                      </a:endParaRPr>
+                    </a:p>
+                  </a:txBody>
+                  <a:tcPr marL="12700" marR="12700" marT="16933" marB="0" anchor="b"/>
+                </a:tc>
+                <a:tc>
+                  <a:txBody>
+                    <a:bodyPr/>
+                    <a:lstStyle/>
+                    <a:p>
+                      <a:pPr algn="ctr" fontAlgn="b"/>
+                      <a:r>
+                        <a:rPr lang="en-US" sz="1900" b="0" i="0" u="none" strike="noStrike" dirty="0">
+                          <a:solidFill>
+                            <a:srgbClr val="333333"/>
+                          </a:solidFill>
+                          <a:effectLst/>
+                          <a:latin typeface="+mn-lt"/>
+                        </a:rPr>
+                        <a:t>53</a:t>
+                      </a:r>
+                    </a:p>
+                  </a:txBody>
+                  <a:tcPr marL="12700" marR="12700" marT="16933" marB="0" anchor="b"/>
+                </a:tc>
+                <a:tc>
+                  <a:txBody>
+                    <a:bodyPr/>
+                    <a:lstStyle/>
+                    <a:p>
+                      <a:pPr algn="ctr" fontAlgn="b"/>
+                      <a:r>
+                        <a:rPr lang="en-US" sz="1900" b="0" i="0" u="none" strike="noStrike" dirty="0">
+                          <a:solidFill>
+                            <a:srgbClr val="333333"/>
+                          </a:solidFill>
+                          <a:effectLst/>
+                          <a:latin typeface="+mn-lt"/>
+                        </a:rPr>
+                        <a:t>5</a:t>
+                      </a:r>
+                    </a:p>
+                  </a:txBody>
+                  <a:tcPr marL="12700" marR="12700" marT="16933" marB="0" anchor="b"/>
+                </a:tc>
+              </a:tr>
+              <a:tr h="392137">
+                <a:tc>
+                  <a:txBody>
+                    <a:bodyPr/>
+                    <a:lstStyle/>
+                    <a:p>
+                      <a:pPr algn="ctr" fontAlgn="b"/>
+                      <a:r>
+                        <a:rPr lang="en-US" sz="1900" b="0" i="0" u="none" strike="noStrike" dirty="0">
+                          <a:solidFill>
+                            <a:srgbClr val="333333"/>
+                          </a:solidFill>
+                          <a:effectLst/>
+                          <a:latin typeface="+mn-lt"/>
+                        </a:rPr>
+                        <a:t>30</a:t>
+                      </a:r>
+                    </a:p>
+                  </a:txBody>
+                  <a:tcPr marL="12700" marR="12700" marT="16933" marB="0" anchor="b"/>
+                </a:tc>
+                <a:tc>
+                  <a:txBody>
+                    <a:bodyPr/>
+                    <a:lstStyle/>
+                    <a:p>
+                      <a:pPr algn="ctr" fontAlgn="b"/>
+                      <a:r>
+                        <a:rPr lang="nb-NO" sz="1900" b="0" i="0" u="none" strike="noStrike">
+                          <a:solidFill>
+                            <a:srgbClr val="333333"/>
+                          </a:solidFill>
+                          <a:effectLst/>
+                          <a:latin typeface="+mn-lt"/>
+                        </a:rPr>
+                        <a:t>0.001</a:t>
+                      </a:r>
+                    </a:p>
+                  </a:txBody>
+                  <a:tcPr marL="12700" marR="12700" marT="16933" marB="0" anchor="b"/>
+                </a:tc>
+                <a:tc>
+                  <a:txBody>
+                    <a:bodyPr/>
+                    <a:lstStyle/>
+                    <a:p>
+                      <a:pPr algn="ctr"/>
+                      <a:r>
+                        <a:rPr lang="en-US" sz="1900" dirty="0" smtClean="0">
+                          <a:latin typeface="+mn-lt"/>
+                        </a:rPr>
+                        <a:t>0.999</a:t>
+                      </a:r>
+                      <a:endParaRPr lang="en-US" sz="1900" dirty="0">
+                        <a:latin typeface="+mn-lt"/>
+                      </a:endParaRPr>
+                    </a:p>
+                  </a:txBody>
+                  <a:tcPr marL="12700" marR="12700" marT="16933" marB="0" anchor="b"/>
+                </a:tc>
+                <a:tc>
+                  <a:txBody>
+                    <a:bodyPr/>
+                    <a:lstStyle/>
+                    <a:p>
+                      <a:pPr algn="ctr" fontAlgn="b"/>
+                      <a:r>
+                        <a:rPr lang="is-IS" sz="1900" b="0" i="0" u="none" strike="noStrike" dirty="0">
+                          <a:solidFill>
+                            <a:srgbClr val="333333"/>
+                          </a:solidFill>
+                          <a:effectLst/>
+                          <a:latin typeface="+mn-lt"/>
+                        </a:rPr>
+                        <a:t>63</a:t>
+                      </a:r>
+                    </a:p>
+                  </a:txBody>
+                  <a:tcPr marL="12700" marR="12700" marT="16933" marB="0" anchor="b"/>
+                </a:tc>
+                <a:tc>
+                  <a:txBody>
+                    <a:bodyPr/>
+                    <a:lstStyle/>
+                    <a:p>
+                      <a:pPr algn="ctr" fontAlgn="b"/>
+                      <a:r>
+                        <a:rPr lang="ru-RU" sz="1900" b="0" i="0" u="none" strike="noStrike" dirty="0">
+                          <a:solidFill>
+                            <a:srgbClr val="333333"/>
+                          </a:solidFill>
+                          <a:effectLst/>
+                          <a:latin typeface="+mn-lt"/>
+                        </a:rPr>
+                        <a:t>?</a:t>
+                      </a:r>
+                    </a:p>
+                  </a:txBody>
+                  <a:tcPr marL="12700" marR="12700" marT="16933" marB="0" anchor="b"/>
+                </a:tc>
+              </a:tr>
+            </a:tbl>
+          </a:graphicData>
+        </a:graphic>
+      </p:graphicFrame>
+      <p:sp>
+        <p:nvSpPr>
+          <p:cNvPr id="9" name="Content Placeholder 2"/>
+          <p:cNvSpPr>
+            <a:spLocks noGrp="1"/>
+          </p:cNvSpPr>
+          <p:nvPr>
+            <p:ph idx="1"/>
+          </p:nvPr>
+        </p:nvSpPr>
+        <p:spPr>
+          <a:xfrm>
+            <a:off x="381000" y="4547810"/>
+            <a:ext cx="8229600" cy="2144485"/>
+          </a:xfrm>
+        </p:spPr>
+        <p:txBody>
+          <a:bodyPr>
+            <a:normAutofit fontScale="85000" lnSpcReduction="20000"/>
+          </a:bodyPr>
+          <a:lstStyle/>
+          <a:p>
+            <a:pPr marL="0" indent="0">
+              <a:buNone/>
+              <a:defRPr/>
+            </a:pPr>
+            <a:r>
+              <a:rPr lang="en-US" dirty="0" smtClean="0">
+                <a:ea typeface="ＭＳ Ｐゴシック" charset="0"/>
+              </a:rPr>
+              <a:t>Encoding History:</a:t>
+            </a:r>
+          </a:p>
+          <a:p>
+            <a:pPr>
+              <a:defRPr/>
+            </a:pPr>
+            <a:r>
+              <a:rPr lang="en-US" dirty="0">
+                <a:ea typeface="ＭＳ Ｐゴシック" charset="0"/>
+              </a:rPr>
+              <a:t>Sanger </a:t>
+            </a:r>
+            <a:r>
+              <a:rPr lang="en-US" dirty="0" smtClean="0">
+                <a:ea typeface="ＭＳ Ｐゴシック" charset="0"/>
+              </a:rPr>
+              <a:t>Format (shown above): Q of 0 </a:t>
+            </a:r>
+            <a:r>
+              <a:rPr lang="en-US" dirty="0">
+                <a:ea typeface="ＭＳ Ｐゴシック" charset="0"/>
+              </a:rPr>
+              <a:t>to 93 using ASCII 33 to </a:t>
+            </a:r>
+            <a:r>
+              <a:rPr lang="en-US" dirty="0" smtClean="0">
+                <a:ea typeface="ＭＳ Ｐゴシック" charset="0"/>
+              </a:rPr>
+              <a:t>126</a:t>
+            </a:r>
+          </a:p>
+          <a:p>
+            <a:pPr lvl="1">
+              <a:defRPr/>
+            </a:pPr>
+            <a:r>
+              <a:rPr lang="en-US" dirty="0" smtClean="0">
+                <a:ea typeface="ＭＳ Ｐゴシック" charset="0"/>
+              </a:rPr>
+              <a:t>Sanger data, SAM format, </a:t>
+            </a:r>
+            <a:r>
+              <a:rPr lang="en-US" dirty="0" err="1" smtClean="0">
+                <a:ea typeface="ＭＳ Ｐゴシック" charset="0"/>
+              </a:rPr>
+              <a:t>Illumina</a:t>
+            </a:r>
+            <a:r>
+              <a:rPr lang="en-US" dirty="0" smtClean="0">
+                <a:ea typeface="ＭＳ Ｐゴシック" charset="0"/>
+              </a:rPr>
+              <a:t> 1.8+</a:t>
+            </a:r>
+          </a:p>
+          <a:p>
+            <a:pPr>
+              <a:defRPr/>
+            </a:pPr>
+            <a:r>
+              <a:rPr lang="en-US" dirty="0" err="1">
+                <a:ea typeface="ＭＳ Ｐゴシック" charset="0"/>
+              </a:rPr>
+              <a:t>Solexa</a:t>
+            </a:r>
+            <a:r>
+              <a:rPr lang="en-US" dirty="0">
+                <a:ea typeface="ＭＳ Ｐゴシック" charset="0"/>
+              </a:rPr>
+              <a:t>/</a:t>
+            </a:r>
+            <a:r>
+              <a:rPr lang="en-US" dirty="0" err="1">
+                <a:ea typeface="ＭＳ Ｐゴシック" charset="0"/>
+              </a:rPr>
+              <a:t>Illumina</a:t>
+            </a:r>
+            <a:r>
+              <a:rPr lang="en-US" dirty="0">
+                <a:ea typeface="ＭＳ Ｐゴシック" charset="0"/>
+              </a:rPr>
+              <a:t> </a:t>
+            </a:r>
+            <a:r>
+              <a:rPr lang="en-US" dirty="0" smtClean="0">
+                <a:ea typeface="ＭＳ Ｐゴシック" charset="0"/>
+              </a:rPr>
+              <a:t>1.0: Q of -</a:t>
+            </a:r>
+            <a:r>
+              <a:rPr lang="en-US" dirty="0">
+                <a:ea typeface="ＭＳ Ｐゴシック" charset="0"/>
+              </a:rPr>
+              <a:t>5 to 62 using ASCII 59 to </a:t>
+            </a:r>
+            <a:r>
+              <a:rPr lang="en-US" dirty="0" smtClean="0">
+                <a:ea typeface="ＭＳ Ｐゴシック" charset="0"/>
+              </a:rPr>
+              <a:t>126</a:t>
+            </a:r>
+          </a:p>
+          <a:p>
+            <a:pPr>
+              <a:defRPr/>
+            </a:pPr>
+            <a:r>
+              <a:rPr lang="en-US" dirty="0" err="1">
+                <a:ea typeface="ＭＳ Ｐゴシック" charset="0"/>
+              </a:rPr>
+              <a:t>Illumina</a:t>
+            </a:r>
+            <a:r>
+              <a:rPr lang="en-US" dirty="0">
+                <a:ea typeface="ＭＳ Ｐゴシック" charset="0"/>
+              </a:rPr>
+              <a:t> 1.3 </a:t>
+            </a:r>
+            <a:r>
+              <a:rPr lang="en-US" dirty="0" smtClean="0">
+                <a:ea typeface="ＭＳ Ｐゴシック" charset="0"/>
+              </a:rPr>
+              <a:t>to 1.8</a:t>
+            </a:r>
+            <a:r>
+              <a:rPr lang="en-US" dirty="0">
+                <a:ea typeface="ＭＳ Ｐゴシック" charset="0"/>
+              </a:rPr>
+              <a:t>: Q of 0 to 62 using ASCII 64 to </a:t>
+            </a:r>
+            <a:r>
+              <a:rPr lang="en-US" dirty="0" smtClean="0">
+                <a:ea typeface="ＭＳ Ｐゴシック" charset="0"/>
+              </a:rPr>
+              <a:t>126</a:t>
+            </a:r>
+          </a:p>
+          <a:p>
+            <a:pPr>
+              <a:defRPr/>
+            </a:pPr>
+            <a:r>
+              <a:rPr lang="en-US" dirty="0" err="1">
+                <a:ea typeface="ＭＳ Ｐゴシック" charset="0"/>
+              </a:rPr>
+              <a:t>Illumina</a:t>
+            </a:r>
+            <a:r>
+              <a:rPr lang="en-US" dirty="0">
+                <a:ea typeface="ＭＳ Ｐゴシック" charset="0"/>
+              </a:rPr>
+              <a:t> </a:t>
+            </a:r>
+            <a:r>
+              <a:rPr lang="en-US" dirty="0" smtClean="0">
+                <a:ea typeface="ＭＳ Ｐゴシック" charset="0"/>
+              </a:rPr>
+              <a:t>1.5 </a:t>
+            </a:r>
+            <a:r>
+              <a:rPr lang="en-US" dirty="0">
+                <a:ea typeface="ＭＳ Ｐゴシック" charset="0"/>
+              </a:rPr>
+              <a:t>to </a:t>
+            </a:r>
+            <a:r>
+              <a:rPr lang="en-US" dirty="0" smtClean="0">
+                <a:ea typeface="ＭＳ Ｐゴシック" charset="0"/>
+              </a:rPr>
+              <a:t>1.8: </a:t>
+            </a:r>
+            <a:r>
+              <a:rPr lang="en-US" dirty="0" err="1" smtClean="0">
+                <a:ea typeface="ＭＳ Ｐゴシック" charset="0"/>
+              </a:rPr>
+              <a:t>Phred</a:t>
+            </a:r>
+            <a:r>
+              <a:rPr lang="en-US" dirty="0" smtClean="0">
+                <a:ea typeface="ＭＳ Ｐゴシック" charset="0"/>
+              </a:rPr>
+              <a:t> </a:t>
+            </a:r>
+            <a:r>
+              <a:rPr lang="en-US" dirty="0">
+                <a:ea typeface="ＭＳ Ｐゴシック" charset="0"/>
+              </a:rPr>
+              <a:t>scores 0 to 2 have a slightly different meaning</a:t>
+            </a:r>
+          </a:p>
+        </p:txBody>
+      </p:sp>
+    </p:spTree>
+    <p:extLst>
+      <p:ext uri="{BB962C8B-B14F-4D97-AF65-F5344CB8AC3E}">
+        <p14:creationId xmlns:p14="http://schemas.microsoft.com/office/powerpoint/2010/main" val="3754779476"/>
+      </p:ext>
+    </p:extLst>
+  </p:cSld>
+  <p:clrMapOvr>
+    <a:masterClrMapping/>
+  </p:clrMapOvr>
+  <p:timing>
+    <p:tnLst>
+      <p:par>
+        <p:cTn xmlns:p14="http://schemas.microsoft.com/office/powerpoint/2010/main" id="1" dur="indefinite" restart="never" nodeType="tmRoot"/>
+      </p:par>
+    </p:tnLst>
+  </p:timing>
+</p:sld>
+</file>
+
+<file path=ppt/slides/slide18.xml><?xml version="1.0" encoding="utf-8"?>
 <p:sld xmlns:a="http://schemas.openxmlformats.org/drawingml/2006/main" xmlns:r="http://schemas.openxmlformats.org/officeDocument/2006/relationships" xmlns:p="http://schemas.openxmlformats.org/presentationml/2006/main">
   <p:cSld>
     <p:spTree>
@@ -8640,7 +10061,7 @@
 </p:sld>
 </file>
 
-<file path=ppt/slides/slide17.xml><?xml version="1.0" encoding="utf-8"?>
+<file path=ppt/slides/slide19.xml><?xml version="1.0" encoding="utf-8"?>
 <p:sld xmlns:a="http://schemas.openxmlformats.org/drawingml/2006/main" xmlns:r="http://schemas.openxmlformats.org/officeDocument/2006/relationships" xmlns:p="http://schemas.openxmlformats.org/presentationml/2006/main">
   <p:cSld>
     <p:spTree>
@@ -8703,337 +10124,6 @@
     <p:extLst>
       <p:ext uri="{BB962C8B-B14F-4D97-AF65-F5344CB8AC3E}">
         <p14:creationId xmlns:p14="http://schemas.microsoft.com/office/powerpoint/2010/main" val="2365664265"/>
-      </p:ext>
-    </p:extLst>
-  </p:cSld>
-  <p:clrMapOvr>
-    <a:masterClrMapping/>
-  </p:clrMapOvr>
-</p:sld>
-</file>
-
-<file path=ppt/slides/slide18.xml><?xml version="1.0" encoding="utf-8"?>
-<p:sld xmlns:a="http://schemas.openxmlformats.org/drawingml/2006/main" xmlns:r="http://schemas.openxmlformats.org/officeDocument/2006/relationships" xmlns:p="http://schemas.openxmlformats.org/presentationml/2006/main">
-  <p:cSld>
-    <p:spTree>
-      <p:nvGrpSpPr>
-        <p:cNvPr id="1" name=""/>
-        <p:cNvGrpSpPr/>
-        <p:nvPr/>
-      </p:nvGrpSpPr>
-      <p:grpSpPr>
-        <a:xfrm>
-          <a:off x="0" y="0"/>
-          <a:ext cx="0" cy="0"/>
-          <a:chOff x="0" y="0"/>
-          <a:chExt cx="0" cy="0"/>
-        </a:xfrm>
-      </p:grpSpPr>
-      <p:sp>
-        <p:nvSpPr>
-          <p:cNvPr id="23553" name="Title 1"/>
-          <p:cNvSpPr>
-            <a:spLocks noGrp="1"/>
-          </p:cNvSpPr>
-          <p:nvPr>
-            <p:ph type="title"/>
-          </p:nvPr>
-        </p:nvSpPr>
-        <p:spPr>
-          <a:xfrm>
-            <a:off x="152400" y="44624"/>
-            <a:ext cx="8839200" cy="777141"/>
-          </a:xfrm>
-        </p:spPr>
-        <p:txBody>
-          <a:bodyPr/>
-          <a:lstStyle/>
-          <a:p>
-            <a:r>
-              <a:rPr lang="en-US" dirty="0" smtClean="0">
-                <a:latin typeface="Calibri" charset="0"/>
-                <a:ea typeface="ＭＳ Ｐゴシック" charset="0"/>
-              </a:rPr>
-              <a:t>Indexing </a:t>
-            </a:r>
-            <a:r>
-              <a:rPr lang="en-US" dirty="0">
-                <a:latin typeface="Calibri" charset="0"/>
-                <a:ea typeface="ＭＳ Ｐゴシック" charset="0"/>
-              </a:rPr>
-              <a:t>reference </a:t>
-            </a:r>
-            <a:r>
-              <a:rPr lang="en-US" dirty="0" smtClean="0">
-                <a:latin typeface="Calibri" charset="0"/>
-                <a:ea typeface="ＭＳ Ｐゴシック" charset="0"/>
-              </a:rPr>
-              <a:t>genomes</a:t>
-            </a:r>
-            <a:endParaRPr lang="en-US" dirty="0">
-              <a:latin typeface="Calibri" charset="0"/>
-              <a:ea typeface="ＭＳ Ｐゴシック" charset="0"/>
-            </a:endParaRPr>
-          </a:p>
-        </p:txBody>
-      </p:sp>
-      <p:sp>
-        <p:nvSpPr>
-          <p:cNvPr id="23554" name="Content Placeholder 2"/>
-          <p:cNvSpPr>
-            <a:spLocks noGrp="1"/>
-          </p:cNvSpPr>
-          <p:nvPr>
-            <p:ph idx="1"/>
-          </p:nvPr>
-        </p:nvSpPr>
-        <p:spPr/>
-        <p:txBody>
-          <a:bodyPr/>
-          <a:lstStyle/>
-          <a:p>
-            <a:r>
-              <a:rPr lang="en-US" dirty="0">
-                <a:latin typeface="Calibri" charset="0"/>
-                <a:ea typeface="ＭＳ Ｐゴシック" charset="0"/>
-              </a:rPr>
-              <a:t>Before sequences can be mapped to the genome, </a:t>
-            </a:r>
-            <a:r>
-              <a:rPr lang="en-US" dirty="0" smtClean="0">
-                <a:latin typeface="Calibri" charset="0"/>
-                <a:ea typeface="ＭＳ Ｐゴシック" charset="0"/>
-              </a:rPr>
-              <a:t>the reference genome files must </a:t>
-            </a:r>
-            <a:r>
-              <a:rPr lang="en-US" dirty="0">
-                <a:latin typeface="Calibri" charset="0"/>
-                <a:ea typeface="ＭＳ Ｐゴシック" charset="0"/>
-              </a:rPr>
-              <a:t>be </a:t>
-            </a:r>
-            <a:r>
-              <a:rPr lang="ja-JP" altLang="en-US" dirty="0">
-                <a:latin typeface="Calibri" charset="0"/>
-                <a:ea typeface="ＭＳ Ｐゴシック" charset="0"/>
-              </a:rPr>
-              <a:t>‘</a:t>
-            </a:r>
-            <a:r>
-              <a:rPr lang="en-US" altLang="ja-JP" dirty="0">
-                <a:latin typeface="Calibri" charset="0"/>
-                <a:ea typeface="ＭＳ Ｐゴシック" charset="0"/>
-              </a:rPr>
-              <a:t>indexed</a:t>
-            </a:r>
-            <a:r>
-              <a:rPr lang="ja-JP" altLang="en-US" dirty="0">
-                <a:latin typeface="Calibri" charset="0"/>
-                <a:ea typeface="ＭＳ Ｐゴシック" charset="0"/>
-              </a:rPr>
-              <a:t>’</a:t>
-            </a:r>
-            <a:r>
-              <a:rPr lang="en-US" altLang="ja-JP" dirty="0">
-                <a:latin typeface="Calibri" charset="0"/>
-                <a:ea typeface="ＭＳ Ｐゴシック" charset="0"/>
-              </a:rPr>
-              <a:t> in a way that is compatible with the aligner being used</a:t>
-            </a:r>
-          </a:p>
-          <a:p>
-            <a:pPr lvl="1"/>
-            <a:r>
-              <a:rPr lang="en-US" dirty="0" smtClean="0">
-                <a:latin typeface="Calibri" charset="0"/>
-                <a:ea typeface="ＭＳ Ｐゴシック" charset="0"/>
-              </a:rPr>
-              <a:t>Each alignment algorith</a:t>
-            </a:r>
-            <a:r>
-              <a:rPr lang="en-US" dirty="0" smtClean="0">
-                <a:latin typeface="Calibri" charset="0"/>
-                <a:ea typeface="ＭＳ Ｐゴシック" charset="0"/>
-              </a:rPr>
-              <a:t>m </a:t>
-            </a:r>
-            <a:r>
-              <a:rPr lang="en-US" dirty="0" smtClean="0">
-                <a:latin typeface="Calibri" charset="0"/>
-                <a:ea typeface="ＭＳ Ｐゴシック" charset="0"/>
-              </a:rPr>
-              <a:t>generally requires a custom index to be built </a:t>
-            </a:r>
-            <a:r>
-              <a:rPr lang="en-US" dirty="0" smtClean="0">
-                <a:latin typeface="Calibri" charset="0"/>
-                <a:ea typeface="ＭＳ Ｐゴシック" charset="0"/>
-              </a:rPr>
-              <a:t>for that purpose</a:t>
-            </a:r>
-          </a:p>
-          <a:p>
-            <a:pPr lvl="1"/>
-            <a:r>
-              <a:rPr lang="en-US" dirty="0" smtClean="0">
-                <a:latin typeface="Calibri" charset="0"/>
-                <a:ea typeface="ＭＳ Ｐゴシック" charset="0"/>
-              </a:rPr>
-              <a:t>Do </a:t>
-            </a:r>
-            <a:r>
-              <a:rPr lang="en-US" dirty="0" smtClean="0">
-                <a:latin typeface="Calibri" charset="0"/>
-                <a:ea typeface="ＭＳ Ｐゴシック" charset="0"/>
-              </a:rPr>
-              <a:t>not use an index created for another </a:t>
-            </a:r>
-            <a:r>
-              <a:rPr lang="en-US" dirty="0" smtClean="0">
-                <a:latin typeface="Calibri" charset="0"/>
-                <a:ea typeface="ＭＳ Ｐゴシック" charset="0"/>
-              </a:rPr>
-              <a:t>aligner</a:t>
-            </a:r>
-          </a:p>
-          <a:p>
-            <a:r>
-              <a:rPr lang="en-US" dirty="0" smtClean="0">
-                <a:latin typeface="Calibri" charset="0"/>
-                <a:ea typeface="ＭＳ Ｐゴシック" charset="0"/>
-              </a:rPr>
-              <a:t>In general we will encounter the concept of “indexing” many times throughout the course</a:t>
-            </a:r>
-          </a:p>
-          <a:p>
-            <a:pPr lvl="1"/>
-            <a:r>
-              <a:rPr lang="en-US" dirty="0" smtClean="0">
-                <a:latin typeface="Calibri" charset="0"/>
-                <a:ea typeface="ＭＳ Ｐゴシック" charset="0"/>
-              </a:rPr>
-              <a:t>Reference genomes (FASTA files), reference transcriptomes (GTF files), alignments (BAM files), variants (VCF files), etc.</a:t>
-            </a:r>
-            <a:endParaRPr lang="en-US" dirty="0">
-              <a:latin typeface="Calibri" charset="0"/>
-              <a:ea typeface="ＭＳ Ｐゴシック" charset="0"/>
-            </a:endParaRPr>
-          </a:p>
-        </p:txBody>
-      </p:sp>
-    </p:spTree>
-    <p:extLst>
-      <p:ext uri="{BB962C8B-B14F-4D97-AF65-F5344CB8AC3E}">
-        <p14:creationId xmlns:p14="http://schemas.microsoft.com/office/powerpoint/2010/main" val="4224826884"/>
-      </p:ext>
-    </p:extLst>
-  </p:cSld>
-  <p:clrMapOvr>
-    <a:masterClrMapping/>
-  </p:clrMapOvr>
-</p:sld>
-</file>
-
-<file path=ppt/slides/slide19.xml><?xml version="1.0" encoding="utf-8"?>
-<p:sld xmlns:a="http://schemas.openxmlformats.org/drawingml/2006/main" xmlns:r="http://schemas.openxmlformats.org/officeDocument/2006/relationships" xmlns:p="http://schemas.openxmlformats.org/presentationml/2006/main">
-  <p:cSld>
-    <p:spTree>
-      <p:nvGrpSpPr>
-        <p:cNvPr id="1" name=""/>
-        <p:cNvGrpSpPr/>
-        <p:nvPr/>
-      </p:nvGrpSpPr>
-      <p:grpSpPr>
-        <a:xfrm>
-          <a:off x="0" y="0"/>
-          <a:ext cx="0" cy="0"/>
-          <a:chOff x="0" y="0"/>
-          <a:chExt cx="0" cy="0"/>
-        </a:xfrm>
-      </p:grpSpPr>
-      <p:sp>
-        <p:nvSpPr>
-          <p:cNvPr id="28673" name="Title 1"/>
-          <p:cNvSpPr>
-            <a:spLocks noGrp="1"/>
-          </p:cNvSpPr>
-          <p:nvPr>
-            <p:ph type="title"/>
-          </p:nvPr>
-        </p:nvSpPr>
-        <p:spPr>
-          <a:xfrm>
-            <a:off x="152400" y="53752"/>
-            <a:ext cx="8839200" cy="753072"/>
-          </a:xfrm>
-        </p:spPr>
-        <p:txBody>
-          <a:bodyPr/>
-          <a:lstStyle/>
-          <a:p>
-            <a:r>
-              <a:rPr lang="en-US" dirty="0" smtClean="0">
-                <a:latin typeface="Calibri" charset="0"/>
-                <a:ea typeface="ＭＳ Ｐゴシック" charset="0"/>
-              </a:rPr>
-              <a:t>Pre</a:t>
-            </a:r>
-            <a:r>
-              <a:rPr lang="en-US" dirty="0">
-                <a:latin typeface="Calibri" charset="0"/>
-                <a:ea typeface="ＭＳ Ｐゴシック" charset="0"/>
-              </a:rPr>
-              <a:t>-Alignment </a:t>
-            </a:r>
-            <a:r>
-              <a:rPr lang="en-US" dirty="0" smtClean="0">
-                <a:latin typeface="Calibri" charset="0"/>
-                <a:ea typeface="ＭＳ Ｐゴシック" charset="0"/>
-              </a:rPr>
-              <a:t>QC</a:t>
-            </a:r>
-            <a:endParaRPr lang="en-US" dirty="0">
-              <a:latin typeface="Calibri" charset="0"/>
-              <a:ea typeface="ＭＳ Ｐゴシック" charset="0"/>
-            </a:endParaRPr>
-          </a:p>
-        </p:txBody>
-      </p:sp>
-      <p:pic>
-        <p:nvPicPr>
-          <p:cNvPr id="28674" name="Content Placeholder 3" descr="Screen Shot 2013-06-01 at 9.58.30 PM.png"/>
-          <p:cNvPicPr>
-            <a:picLocks noGrp="1" noChangeAspect="1"/>
-          </p:cNvPicPr>
-          <p:nvPr>
-            <p:ph idx="1"/>
-          </p:nvPr>
-        </p:nvPicPr>
-        <p:blipFill>
-          <a:blip r:embed="rId2">
-            <a:extLst>
-              <a:ext uri="{28A0092B-C50C-407E-A947-70E740481C1C}">
-                <a14:useLocalDpi xmlns:a14="http://schemas.microsoft.com/office/drawing/2010/main" val="0"/>
-              </a:ext>
-            </a:extLst>
-          </a:blip>
-          <a:srcRect l="-20132" t="293" r="-20132"/>
-          <a:stretch>
-            <a:fillRect/>
-          </a:stretch>
-        </p:blipFill>
-        <p:spPr>
-          <a:xfrm>
-            <a:off x="152400" y="1412875"/>
-            <a:ext cx="8839200" cy="4710113"/>
-          </a:xfrm>
-        </p:spPr>
-      </p:pic>
-    </p:spTree>
-    <p:extLst>
-      <p:ext uri="{BB962C8B-B14F-4D97-AF65-F5344CB8AC3E}">
-        <p14:creationId xmlns:p14="http://schemas.microsoft.com/office/powerpoint/2010/main" val="837708785"/>
       </p:ext>
     </p:extLst>
   </p:cSld>
@@ -9157,6 +10247,302 @@
 </p:sld>
 </file>
 
+<file path=ppt/slides/slide20.xml><?xml version="1.0" encoding="utf-8"?>
+<p:sld xmlns:a="http://schemas.openxmlformats.org/drawingml/2006/main" xmlns:r="http://schemas.openxmlformats.org/officeDocument/2006/relationships" xmlns:p="http://schemas.openxmlformats.org/presentationml/2006/main">
+  <p:cSld>
+    <p:spTree>
+      <p:nvGrpSpPr>
+        <p:cNvPr id="1" name=""/>
+        <p:cNvGrpSpPr/>
+        <p:nvPr/>
+      </p:nvGrpSpPr>
+      <p:grpSpPr>
+        <a:xfrm>
+          <a:off x="0" y="0"/>
+          <a:ext cx="0" cy="0"/>
+          <a:chOff x="0" y="0"/>
+          <a:chExt cx="0" cy="0"/>
+        </a:xfrm>
+      </p:grpSpPr>
+      <p:sp>
+        <p:nvSpPr>
+          <p:cNvPr id="23553" name="Title 1"/>
+          <p:cNvSpPr>
+            <a:spLocks noGrp="1"/>
+          </p:cNvSpPr>
+          <p:nvPr>
+            <p:ph type="title"/>
+          </p:nvPr>
+        </p:nvSpPr>
+        <p:spPr>
+          <a:xfrm>
+            <a:off x="152400" y="44624"/>
+            <a:ext cx="8839200" cy="777141"/>
+          </a:xfrm>
+        </p:spPr>
+        <p:txBody>
+          <a:bodyPr/>
+          <a:lstStyle/>
+          <a:p>
+            <a:r>
+              <a:rPr lang="en-US" dirty="0" smtClean="0">
+                <a:latin typeface="Calibri" charset="0"/>
+                <a:ea typeface="ＭＳ Ｐゴシック" charset="0"/>
+              </a:rPr>
+              <a:t>Indexing </a:t>
+            </a:r>
+            <a:r>
+              <a:rPr lang="en-US" dirty="0">
+                <a:latin typeface="Calibri" charset="0"/>
+                <a:ea typeface="ＭＳ Ｐゴシック" charset="0"/>
+              </a:rPr>
+              <a:t>reference </a:t>
+            </a:r>
+            <a:r>
+              <a:rPr lang="en-US" dirty="0" smtClean="0">
+                <a:latin typeface="Calibri" charset="0"/>
+                <a:ea typeface="ＭＳ Ｐゴシック" charset="0"/>
+              </a:rPr>
+              <a:t>genomes</a:t>
+            </a:r>
+            <a:endParaRPr lang="en-US" dirty="0">
+              <a:latin typeface="Calibri" charset="0"/>
+              <a:ea typeface="ＭＳ Ｐゴシック" charset="0"/>
+            </a:endParaRPr>
+          </a:p>
+        </p:txBody>
+      </p:sp>
+      <p:sp>
+        <p:nvSpPr>
+          <p:cNvPr id="23554" name="Content Placeholder 2"/>
+          <p:cNvSpPr>
+            <a:spLocks noGrp="1"/>
+          </p:cNvSpPr>
+          <p:nvPr>
+            <p:ph idx="1"/>
+          </p:nvPr>
+        </p:nvSpPr>
+        <p:spPr/>
+        <p:txBody>
+          <a:bodyPr/>
+          <a:lstStyle/>
+          <a:p>
+            <a:r>
+              <a:rPr lang="en-US" dirty="0">
+                <a:latin typeface="Calibri" charset="0"/>
+                <a:ea typeface="ＭＳ Ｐゴシック" charset="0"/>
+              </a:rPr>
+              <a:t>Before sequences can be mapped to the genome, </a:t>
+            </a:r>
+            <a:r>
+              <a:rPr lang="en-US" dirty="0" smtClean="0">
+                <a:latin typeface="Calibri" charset="0"/>
+                <a:ea typeface="ＭＳ Ｐゴシック" charset="0"/>
+              </a:rPr>
+              <a:t>the reference genome files must </a:t>
+            </a:r>
+            <a:r>
+              <a:rPr lang="en-US" dirty="0">
+                <a:latin typeface="Calibri" charset="0"/>
+                <a:ea typeface="ＭＳ Ｐゴシック" charset="0"/>
+              </a:rPr>
+              <a:t>be </a:t>
+            </a:r>
+            <a:r>
+              <a:rPr lang="ja-JP" altLang="en-US" dirty="0">
+                <a:latin typeface="Calibri" charset="0"/>
+                <a:ea typeface="ＭＳ Ｐゴシック" charset="0"/>
+              </a:rPr>
+              <a:t>‘</a:t>
+            </a:r>
+            <a:r>
+              <a:rPr lang="en-US" altLang="ja-JP" dirty="0">
+                <a:latin typeface="Calibri" charset="0"/>
+                <a:ea typeface="ＭＳ Ｐゴシック" charset="0"/>
+              </a:rPr>
+              <a:t>indexed</a:t>
+            </a:r>
+            <a:r>
+              <a:rPr lang="ja-JP" altLang="en-US" dirty="0">
+                <a:latin typeface="Calibri" charset="0"/>
+                <a:ea typeface="ＭＳ Ｐゴシック" charset="0"/>
+              </a:rPr>
+              <a:t>’</a:t>
+            </a:r>
+            <a:r>
+              <a:rPr lang="en-US" altLang="ja-JP" dirty="0">
+                <a:latin typeface="Calibri" charset="0"/>
+                <a:ea typeface="ＭＳ Ｐゴシック" charset="0"/>
+              </a:rPr>
+              <a:t> in a way that is compatible with the aligner being used</a:t>
+            </a:r>
+          </a:p>
+          <a:p>
+            <a:pPr lvl="1"/>
+            <a:r>
+              <a:rPr lang="en-US" dirty="0" smtClean="0">
+                <a:latin typeface="Calibri" charset="0"/>
+                <a:ea typeface="ＭＳ Ｐゴシック" charset="0"/>
+              </a:rPr>
+              <a:t>Each alignment algorithm generally requires a custom index to be built for that purpose</a:t>
+            </a:r>
+          </a:p>
+          <a:p>
+            <a:pPr lvl="1"/>
+            <a:r>
+              <a:rPr lang="en-US" dirty="0" smtClean="0">
+                <a:latin typeface="Calibri" charset="0"/>
+                <a:ea typeface="ＭＳ Ｐゴシック" charset="0"/>
+              </a:rPr>
+              <a:t>Do not use an index created for another aligner</a:t>
+            </a:r>
+          </a:p>
+          <a:p>
+            <a:r>
+              <a:rPr lang="en-US" dirty="0" smtClean="0">
+                <a:latin typeface="Calibri" charset="0"/>
+                <a:ea typeface="ＭＳ Ｐゴシック" charset="0"/>
+              </a:rPr>
+              <a:t>In general we will encounter the concept of “indexing” many times throughout the course</a:t>
+            </a:r>
+          </a:p>
+          <a:p>
+            <a:pPr lvl="1"/>
+            <a:r>
+              <a:rPr lang="en-US" dirty="0" smtClean="0">
+                <a:latin typeface="Calibri" charset="0"/>
+                <a:ea typeface="ＭＳ Ｐゴシック" charset="0"/>
+              </a:rPr>
+              <a:t>Reference genomes (FASTA files), reference transcriptomes (GTF files), alignments (BAM files), variants (VCF files), etc.</a:t>
+            </a:r>
+            <a:endParaRPr lang="en-US" dirty="0">
+              <a:latin typeface="Calibri" charset="0"/>
+              <a:ea typeface="ＭＳ Ｐゴシック" charset="0"/>
+            </a:endParaRPr>
+          </a:p>
+        </p:txBody>
+      </p:sp>
+    </p:spTree>
+    <p:extLst>
+      <p:ext uri="{BB962C8B-B14F-4D97-AF65-F5344CB8AC3E}">
+        <p14:creationId xmlns:p14="http://schemas.microsoft.com/office/powerpoint/2010/main" val="4224826884"/>
+      </p:ext>
+    </p:extLst>
+  </p:cSld>
+  <p:clrMapOvr>
+    <a:masterClrMapping/>
+  </p:clrMapOvr>
+</p:sld>
+</file>
+
+<file path=ppt/slides/slide21.xml><?xml version="1.0" encoding="utf-8"?>
+<p:sld xmlns:a="http://schemas.openxmlformats.org/drawingml/2006/main" xmlns:r="http://schemas.openxmlformats.org/officeDocument/2006/relationships" xmlns:p="http://schemas.openxmlformats.org/presentationml/2006/main">
+  <p:cSld>
+    <p:spTree>
+      <p:nvGrpSpPr>
+        <p:cNvPr id="1" name=""/>
+        <p:cNvGrpSpPr/>
+        <p:nvPr/>
+      </p:nvGrpSpPr>
+      <p:grpSpPr>
+        <a:xfrm>
+          <a:off x="0" y="0"/>
+          <a:ext cx="0" cy="0"/>
+          <a:chOff x="0" y="0"/>
+          <a:chExt cx="0" cy="0"/>
+        </a:xfrm>
+      </p:grpSpPr>
+      <p:sp>
+        <p:nvSpPr>
+          <p:cNvPr id="28673" name="Title 1"/>
+          <p:cNvSpPr>
+            <a:spLocks noGrp="1"/>
+          </p:cNvSpPr>
+          <p:nvPr>
+            <p:ph type="title"/>
+          </p:nvPr>
+        </p:nvSpPr>
+        <p:spPr>
+          <a:xfrm>
+            <a:off x="152400" y="53752"/>
+            <a:ext cx="8839200" cy="753072"/>
+          </a:xfrm>
+        </p:spPr>
+        <p:txBody>
+          <a:bodyPr/>
+          <a:lstStyle/>
+          <a:p>
+            <a:r>
+              <a:rPr lang="en-US" dirty="0" smtClean="0">
+                <a:latin typeface="Calibri" charset="0"/>
+                <a:ea typeface="ＭＳ Ｐゴシック" charset="0"/>
+              </a:rPr>
+              <a:t>Pre</a:t>
+            </a:r>
+            <a:r>
+              <a:rPr lang="en-US" dirty="0">
+                <a:latin typeface="Calibri" charset="0"/>
+                <a:ea typeface="ＭＳ Ｐゴシック" charset="0"/>
+              </a:rPr>
+              <a:t>-Alignment </a:t>
+            </a:r>
+            <a:r>
+              <a:rPr lang="en-US" dirty="0" smtClean="0">
+                <a:latin typeface="Calibri" charset="0"/>
+                <a:ea typeface="ＭＳ Ｐゴシック" charset="0"/>
+              </a:rPr>
+              <a:t>QC</a:t>
+            </a:r>
+            <a:endParaRPr lang="en-US" dirty="0">
+              <a:latin typeface="Calibri" charset="0"/>
+              <a:ea typeface="ＭＳ Ｐゴシック" charset="0"/>
+            </a:endParaRPr>
+          </a:p>
+        </p:txBody>
+      </p:sp>
+      <p:pic>
+        <p:nvPicPr>
+          <p:cNvPr id="28674" name="Content Placeholder 3" descr="Screen Shot 2013-06-01 at 9.58.30 PM.png"/>
+          <p:cNvPicPr>
+            <a:picLocks noGrp="1" noChangeAspect="1"/>
+          </p:cNvPicPr>
+          <p:nvPr>
+            <p:ph idx="1"/>
+          </p:nvPr>
+        </p:nvPicPr>
+        <p:blipFill>
+          <a:blip r:embed="rId2">
+            <a:extLst>
+              <a:ext uri="{28A0092B-C50C-407E-A947-70E740481C1C}">
+                <a14:useLocalDpi xmlns:a14="http://schemas.microsoft.com/office/drawing/2010/main" val="0"/>
+              </a:ext>
+            </a:extLst>
+          </a:blip>
+          <a:srcRect l="-20132" t="293" r="-20132"/>
+          <a:stretch>
+            <a:fillRect/>
+          </a:stretch>
+        </p:blipFill>
+        <p:spPr>
+          <a:xfrm>
+            <a:off x="152400" y="1412875"/>
+            <a:ext cx="8839200" cy="4710113"/>
+          </a:xfrm>
+        </p:spPr>
+      </p:pic>
+    </p:spTree>
+    <p:extLst>
+      <p:ext uri="{BB962C8B-B14F-4D97-AF65-F5344CB8AC3E}">
+        <p14:creationId xmlns:p14="http://schemas.microsoft.com/office/powerpoint/2010/main" val="837708785"/>
+      </p:ext>
+    </p:extLst>
+  </p:cSld>
+  <p:clrMapOvr>
+    <a:masterClrMapping/>
+  </p:clrMapOvr>
+</p:sld>
+</file>
+
 <file path=ppt/slides/slide3.xml><?xml version="1.0" encoding="utf-8"?>
 <p:sld xmlns:a="http://schemas.openxmlformats.org/drawingml/2006/main" xmlns:r="http://schemas.openxmlformats.org/officeDocument/2006/relationships" xmlns:p="http://schemas.openxmlformats.org/presentationml/2006/main">
   <p:cSld>
@@ -9191,11 +10577,15 @@
           <a:p>
             <a:r>
               <a:rPr lang="en-US" dirty="0" smtClean="0"/>
-              <a:t>Learning objectives of module </a:t>
+              <a:t>Learning objectives of </a:t>
+            </a:r>
+            <a:r>
+              <a:rPr lang="en-US" smtClean="0"/>
+              <a:t>module 02</a:t>
             </a:r>
             <a:r>
               <a:rPr lang="en-US" dirty="0" smtClean="0"/>
-              <a:t>2: Inputs</a:t>
+              <a:t>: Inputs</a:t>
             </a:r>
             <a:endParaRPr lang="en-US" dirty="0"/>
           </a:p>
@@ -9214,7 +10604,7 @@
         <p:spPr/>
         <p:txBody>
           <a:bodyPr>
-            <a:normAutofit fontScale="92500" lnSpcReduction="10000"/>
+            <a:normAutofit fontScale="92500" lnSpcReduction="20000"/>
           </a:bodyPr>
           <a:lstStyle/>
           <a:p>
@@ -9244,8 +10634,15 @@
             </a:r>
             <a:r>
               <a:rPr lang="en-US" dirty="0"/>
-              <a:t>), GTF file format, sequence data generation, NGS reads, FASTQ file format, raw data QC.</a:t>
-            </a:r>
+              <a:t>), GTF file format, sequence data generation, NGS reads, FASTQ file format, raw data QC</a:t>
+            </a:r>
+            <a:r>
+              <a:rPr lang="en-US" dirty="0" smtClean="0"/>
+              <a:t>.</a:t>
+            </a:r>
+          </a:p>
+          <a:p>
+            <a:endParaRPr lang="en-US" dirty="0"/>
           </a:p>
           <a:p>
             <a:r>
@@ -9790,14 +11187,7 @@
                 <a:latin typeface="Calibri" charset="0"/>
                 <a:ea typeface="ＭＳ Ｐゴシック" charset="0"/>
               </a:rPr>
-              <a:t>The </a:t>
-            </a:r>
-            <a:r>
-              <a:rPr lang="en-US" dirty="0" smtClean="0">
-                <a:latin typeface="Calibri" charset="0"/>
-                <a:ea typeface="ＭＳ Ｐゴシック" charset="0"/>
-              </a:rPr>
-              <a:t>GRCh38 build </a:t>
+              <a:t>The GRCh38 build </a:t>
             </a:r>
             <a:r>
               <a:rPr lang="en-US" dirty="0">
@@ -9841,14 +11231,21 @@
                 <a:latin typeface="Calibri" charset="0"/>
                 <a:ea typeface="ＭＳ Ｐゴシック" charset="0"/>
               </a:rPr>
-              <a:t>tutorial, two chromosomes are </a:t>
+              <a:t>tutorial, two chromosomes are used (</a:t>
+            </a:r>
+            <a:r>
+              <a:rPr lang="en-US" dirty="0" err="1" smtClean="0">
+                <a:latin typeface="Calibri" charset="0"/>
+                <a:ea typeface="ＭＳ Ｐゴシック" charset="0"/>
+              </a:rPr>
+              <a:t>chr.</a:t>
             </a:r>
             <a:r>
               <a:rPr lang="en-US" dirty="0" smtClean="0">
                 <a:latin typeface="Calibri" charset="0"/>
                 <a:ea typeface="ＭＳ Ｐゴシック" charset="0"/>
               </a:rPr>
-              <a:t>used (</a:t>
+              <a:t> 6 and </a:t>
             </a:r>
             <a:r>
               <a:rPr lang="en-US" dirty="0" err="1" smtClean="0">
@@ -9862,42 +11259,7 @@
                 <a:latin typeface="Calibri" charset="0"/>
                 <a:ea typeface="ＭＳ Ｐゴシック" charset="0"/>
               </a:rPr>
-              <a:t> </a:t>
-            </a:r>
-            <a:r>
-              <a:rPr lang="en-US" dirty="0" smtClean="0">
-                <a:latin typeface="Calibri" charset="0"/>
-                <a:ea typeface="ＭＳ Ｐゴシック" charset="0"/>
-              </a:rPr>
-              <a:t>6 and </a:t>
-            </a:r>
-            <a:r>
-              <a:rPr lang="en-US" dirty="0" err="1" smtClean="0">
-                <a:latin typeface="Calibri" charset="0"/>
-                <a:ea typeface="ＭＳ Ｐゴシック" charset="0"/>
-              </a:rPr>
-              <a:t>chr</a:t>
-            </a:r>
-            <a:r>
-              <a:rPr lang="en-US" dirty="0" err="1" smtClean="0">
-                <a:latin typeface="Calibri" charset="0"/>
-                <a:ea typeface="ＭＳ Ｐゴシック" charset="0"/>
-              </a:rPr>
-              <a:t>.</a:t>
-            </a:r>
-            <a:r>
-              <a:rPr lang="en-US" dirty="0" smtClean="0">
-                <a:latin typeface="Calibri" charset="0"/>
-                <a:ea typeface="ＭＳ Ｐゴシック" charset="0"/>
-              </a:rPr>
-              <a:t> 17</a:t>
-            </a:r>
-            <a:r>
-              <a:rPr lang="en-US" dirty="0" smtClean="0">
-                <a:latin typeface="Calibri" charset="0"/>
-                <a:ea typeface="ＭＳ Ｐゴシック" charset="0"/>
-              </a:rPr>
-              <a:t>)</a:t>
+              <a:t> 17)</a:t>
             </a:r>
             <a:endParaRPr lang="en-US" dirty="0">
               <a:latin typeface="Calibri" charset="0"/>
@@ -10332,7 +11694,7 @@
   <a:extraClrSchemeLst/>
   <a:extLst>
     <a:ext uri="{05A4C25C-085E-4340-85A3-A5531E510DB2}">
-      <thm15:themeFamily xmlns="" xmlns:thm15="http://schemas.microsoft.com/office/thememl/2012/main" name="MGI_4-3_ratio_v1a" id="{9A0171FA-20F4-F840-B1C8-29D686AB0540}" vid="{60506783-C923-7847-B1CA-7C860CC95497}"/>
+      <thm15:themeFamily xmlns:thm15="http://schemas.microsoft.com/office/thememl/2012/main" xmlns="" name="MGI_4-3_ratio_v1a" id="{9A0171FA-20F4-F840-B1C8-29D686AB0540}" vid="{60506783-C923-7847-B1CA-7C860CC95497}"/>
     </a:ext>
   </a:extLst>
 </a:theme>

--- a/assets/lectures/PMBIO_Module02_Inputs.pptx
+++ b/assets/lectures/PMBIO_Module02_Inputs.pptx
@@ -132,7 +132,7 @@
   </p:defaultTextStyle>
   <p:extLst>
     <p:ext uri="{EFAFB233-063F-42B5-8137-9DF3F51BA10A}">
-      <p15:sldGuideLst xmlns:p15="http://schemas.microsoft.com/office/powerpoint/2012/main" xmlns="">
+      <p15:sldGuideLst xmlns="" xmlns:p15="http://schemas.microsoft.com/office/powerpoint/2012/main">
         <p15:guide id="1" orient="horz" pos="2160">
           <p15:clr>
             <a:srgbClr val="A4A3A4"/>
@@ -232,7 +232,7 @@
             <a:fld id="{03643E35-CD80-874A-A3D7-254E954BB753}" type="datetimeFigureOut">
               <a:rPr lang="en-US" smtClean="0"/>
               <a:pPr/>
-              <a:t>10/26/18</a:t>
+              <a:t>10/27/18</a:t>
             </a:fld>
             <a:endParaRPr lang="en-US"/>
           </a:p>
@@ -399,7 +399,7 @@
             <a:fld id="{5C416C15-7665-174C-99B8-5B237ACA6582}" type="datetimeFigureOut">
               <a:rPr lang="en-US" smtClean="0"/>
               <a:pPr/>
-              <a:t>10/26/18</a:t>
+              <a:t>10/27/18</a:t>
             </a:fld>
             <a:endParaRPr lang="en-US"/>
           </a:p>
@@ -8136,25 +8136,34 @@
           </a:p>
         </p:txBody>
       </p:sp>
-      <p:sp>
-        <p:nvSpPr>
-          <p:cNvPr id="3" name="Content Placeholder 2"/>
-          <p:cNvSpPr>
-            <a:spLocks noGrp="1"/>
-          </p:cNvSpPr>
+      <p:pic>
+        <p:nvPicPr>
+          <p:cNvPr id="4" name="Content Placeholder 3" descr="fasta.png"/>
+          <p:cNvPicPr>
+            <a:picLocks noGrp="1" noChangeAspect="1"/>
+          </p:cNvPicPr>
           <p:nvPr>
             <p:ph idx="1"/>
           </p:nvPr>
-        </p:nvSpPr>
-        <p:spPr/>
-        <p:txBody>
-          <a:bodyPr/>
-          <a:lstStyle/>
-          <a:p>
-            <a:endParaRPr lang="en-US"/>
-          </a:p>
-        </p:txBody>
-      </p:sp>
+        </p:nvPicPr>
+        <p:blipFill rotWithShape="1">
+          <a:blip r:embed="rId2">
+            <a:extLst>
+              <a:ext uri="{28A0092B-C50C-407E-A947-70E740481C1C}">
+                <a14:useLocalDpi xmlns:a14="http://schemas.microsoft.com/office/drawing/2010/main" val="0"/>
+              </a:ext>
+            </a:extLst>
+          </a:blip>
+          <a:srcRect l="-72" r="378"/>
+          <a:stretch/>
+        </p:blipFill>
+        <p:spPr>
+          <a:xfrm>
+            <a:off x="226784" y="934443"/>
+            <a:ext cx="8929335" cy="5613352"/>
+          </a:xfrm>
+        </p:spPr>
+      </p:pic>
     </p:spTree>
     <p:extLst>
       <p:ext uri="{BB962C8B-B14F-4D97-AF65-F5344CB8AC3E}">
@@ -8503,8 +8512,8 @@
         </p:nvSpPr>
         <p:spPr>
           <a:xfrm>
-            <a:off x="310777" y="2617197"/>
-            <a:ext cx="6382870" cy="3523628"/>
+            <a:off x="403992" y="2260271"/>
+            <a:ext cx="7029423" cy="3880554"/>
           </a:xfrm>
         </p:spPr>
         <p:txBody>
@@ -10101,25 +10110,31 @@
           </a:p>
         </p:txBody>
       </p:sp>
-      <p:sp>
-        <p:nvSpPr>
-          <p:cNvPr id="3" name="Content Placeholder 2"/>
-          <p:cNvSpPr>
-            <a:spLocks noGrp="1"/>
-          </p:cNvSpPr>
+      <p:pic>
+        <p:nvPicPr>
+          <p:cNvPr id="4" name="Content Placeholder 3" descr="gtf.png"/>
+          <p:cNvPicPr>
+            <a:picLocks noGrp="1" noChangeAspect="1"/>
+          </p:cNvPicPr>
           <p:nvPr>
             <p:ph idx="1"/>
           </p:nvPr>
-        </p:nvSpPr>
+        </p:nvPicPr>
+        <p:blipFill>
+          <a:blip r:embed="rId2">
+            <a:extLst>
+              <a:ext uri="{28A0092B-C50C-407E-A947-70E740481C1C}">
+                <a14:useLocalDpi xmlns:a14="http://schemas.microsoft.com/office/drawing/2010/main" val="0"/>
+              </a:ext>
+            </a:extLst>
+          </a:blip>
+          <a:srcRect t="-47886" b="-47886"/>
+          <a:stretch>
+            <a:fillRect/>
+          </a:stretch>
+        </p:blipFill>
         <p:spPr/>
-        <p:txBody>
-          <a:bodyPr/>
-          <a:lstStyle/>
-          <a:p>
-            <a:endParaRPr lang="en-US"/>
-          </a:p>
-        </p:txBody>
-      </p:sp>
+      </p:pic>
     </p:spTree>
     <p:extLst>
       <p:ext uri="{BB962C8B-B14F-4D97-AF65-F5344CB8AC3E}">
@@ -11694,7 +11709,7 @@
   <a:extraClrSchemeLst/>
   <a:extLst>
     <a:ext uri="{05A4C25C-085E-4340-85A3-A5531E510DB2}">
-      <thm15:themeFamily xmlns:thm15="http://schemas.microsoft.com/office/thememl/2012/main" xmlns="" name="MGI_4-3_ratio_v1a" id="{9A0171FA-20F4-F840-B1C8-29D686AB0540}" vid="{60506783-C923-7847-B1CA-7C860CC95497}"/>
+      <thm15:themeFamily xmlns="" xmlns:thm15="http://schemas.microsoft.com/office/thememl/2012/main" name="MGI_4-3_ratio_v1a" id="{9A0171FA-20F4-F840-B1C8-29D686AB0540}" vid="{60506783-C923-7847-B1CA-7C860CC95497}"/>
     </a:ext>
   </a:extLst>
 </a:theme>
